--- a/중간발표/피피티 프로토타입 (미완 월예정).pptx
+++ b/중간발표/피피티 프로토타입 (미완 월예정).pptx
@@ -13,11 +13,12 @@
     <p:sldId id="260" r:id="rId7"/>
     <p:sldId id="264" r:id="rId8"/>
     <p:sldId id="265" r:id="rId9"/>
-    <p:sldId id="261" r:id="rId10"/>
-    <p:sldId id="266" r:id="rId11"/>
-    <p:sldId id="267" r:id="rId12"/>
-    <p:sldId id="268" r:id="rId13"/>
-    <p:sldId id="262" r:id="rId14"/>
+    <p:sldId id="269" r:id="rId10"/>
+    <p:sldId id="261" r:id="rId11"/>
+    <p:sldId id="266" r:id="rId12"/>
+    <p:sldId id="267" r:id="rId13"/>
+    <p:sldId id="268" r:id="rId14"/>
+    <p:sldId id="262" r:id="rId15"/>
   </p:sldIdLst>
   <p:sldSz cx="12192000" cy="6858000"/>
   <p:notesSz cx="6858000" cy="9144000"/>
@@ -285,7 +286,7 @@
           <a:p>
             <a:fld id="{0F7907F6-E94E-4333-9C66-194F43E28F27}" type="datetimeFigureOut">
               <a:rPr lang="ko-KR" altLang="en-US" smtClean="0"/>
-              <a:t>2018-04-15</a:t>
+              <a:t>2018-04-16</a:t>
             </a:fld>
             <a:endParaRPr lang="ko-KR" altLang="en-US"/>
           </a:p>
@@ -493,7 +494,7 @@
           <a:p>
             <a:fld id="{0F7907F6-E94E-4333-9C66-194F43E28F27}" type="datetimeFigureOut">
               <a:rPr lang="ko-KR" altLang="en-US" smtClean="0"/>
-              <a:t>2018-04-15</a:t>
+              <a:t>2018-04-16</a:t>
             </a:fld>
             <a:endParaRPr lang="ko-KR" altLang="en-US"/>
           </a:p>
@@ -798,7 +799,7 @@
           <a:p>
             <a:fld id="{0F7907F6-E94E-4333-9C66-194F43E28F27}" type="datetimeFigureOut">
               <a:rPr lang="ko-KR" altLang="en-US" smtClean="0"/>
-              <a:t>2018-04-15</a:t>
+              <a:t>2018-04-16</a:t>
             </a:fld>
             <a:endParaRPr lang="ko-KR" altLang="en-US"/>
           </a:p>
@@ -1065,7 +1066,7 @@
           <a:p>
             <a:fld id="{0F7907F6-E94E-4333-9C66-194F43E28F27}" type="datetimeFigureOut">
               <a:rPr lang="ko-KR" altLang="en-US" smtClean="0"/>
-              <a:t>2018-04-15</a:t>
+              <a:t>2018-04-16</a:t>
             </a:fld>
             <a:endParaRPr lang="ko-KR" altLang="en-US"/>
           </a:p>
@@ -1468,7 +1469,7 @@
           <a:p>
             <a:fld id="{0F7907F6-E94E-4333-9C66-194F43E28F27}" type="datetimeFigureOut">
               <a:rPr lang="ko-KR" altLang="en-US" smtClean="0"/>
-              <a:t>2018-04-15</a:t>
+              <a:t>2018-04-16</a:t>
             </a:fld>
             <a:endParaRPr lang="ko-KR" altLang="en-US"/>
           </a:p>
@@ -1617,7 +1618,7 @@
           <a:p>
             <a:fld id="{0F7907F6-E94E-4333-9C66-194F43E28F27}" type="datetimeFigureOut">
               <a:rPr lang="ko-KR" altLang="en-US" smtClean="0"/>
-              <a:t>2018-04-15</a:t>
+              <a:t>2018-04-16</a:t>
             </a:fld>
             <a:endParaRPr lang="ko-KR" altLang="en-US"/>
           </a:p>
@@ -1736,7 +1737,7 @@
           <a:p>
             <a:fld id="{0F7907F6-E94E-4333-9C66-194F43E28F27}" type="datetimeFigureOut">
               <a:rPr lang="ko-KR" altLang="en-US" smtClean="0"/>
-              <a:t>2018-04-15</a:t>
+              <a:t>2018-04-16</a:t>
             </a:fld>
             <a:endParaRPr lang="ko-KR" altLang="en-US"/>
           </a:p>
@@ -2044,7 +2045,7 @@
           <a:p>
             <a:fld id="{0F7907F6-E94E-4333-9C66-194F43E28F27}" type="datetimeFigureOut">
               <a:rPr lang="ko-KR" altLang="en-US" smtClean="0"/>
-              <a:t>2018-04-15</a:t>
+              <a:t>2018-04-16</a:t>
             </a:fld>
             <a:endParaRPr lang="ko-KR" altLang="en-US"/>
           </a:p>
@@ -2332,7 +2333,7 @@
           <a:p>
             <a:fld id="{0F7907F6-E94E-4333-9C66-194F43E28F27}" type="datetimeFigureOut">
               <a:rPr lang="ko-KR" altLang="en-US" smtClean="0"/>
-              <a:t>2018-04-15</a:t>
+              <a:t>2018-04-16</a:t>
             </a:fld>
             <a:endParaRPr lang="ko-KR" altLang="en-US"/>
           </a:p>
@@ -3710,7 +3711,7 @@
         <p:spPr>
           <a:xfrm>
             <a:off x="888557" y="265928"/>
-            <a:ext cx="2326278" cy="523220"/>
+            <a:ext cx="1580882" cy="523220"/>
           </a:xfrm>
           <a:prstGeom prst="rect">
             <a:avLst/>
@@ -3731,7 +3732,7 @@
                 <a:latin typeface="KoPub돋움체 Light" panose="02020603020101020101" pitchFamily="18" charset="-127"/>
                 <a:ea typeface="KoPub돋움체 Light" panose="02020603020101020101" pitchFamily="18" charset="-127"/>
               </a:rPr>
-              <a:t>작품 설명 규하</a:t>
+              <a:t>작품 설명</a:t>
             </a:r>
             <a:endParaRPr lang="ko-KR" altLang="en-US" sz="2800" dirty="0">
               <a:solidFill>
@@ -4011,7 +4012,7 @@
     </p:spTree>
     <p:extLst>
       <p:ext uri="{BB962C8B-B14F-4D97-AF65-F5344CB8AC3E}">
-        <p14:creationId xmlns:p14="http://schemas.microsoft.com/office/powerpoint/2010/main" val="2520441467"/>
+        <p14:creationId xmlns:p14="http://schemas.microsoft.com/office/powerpoint/2010/main" val="827075723"/>
       </p:ext>
     </p:extLst>
   </p:cSld>
@@ -4269,7 +4270,7 @@
         <p:spPr>
           <a:xfrm>
             <a:off x="888557" y="265928"/>
-            <a:ext cx="2316660" cy="523220"/>
+            <a:ext cx="2326278" cy="523220"/>
           </a:xfrm>
           <a:prstGeom prst="rect">
             <a:avLst/>
@@ -4290,7 +4291,7 @@
                 <a:latin typeface="KoPub돋움체 Light" panose="02020603020101020101" pitchFamily="18" charset="-127"/>
                 <a:ea typeface="KoPub돋움체 Light" panose="02020603020101020101" pitchFamily="18" charset="-127"/>
               </a:rPr>
-              <a:t>작품 설명 현종</a:t>
+              <a:t>작품 설명 규하</a:t>
             </a:r>
             <a:endParaRPr lang="ko-KR" altLang="en-US" sz="2800" dirty="0">
               <a:solidFill>
@@ -4302,6 +4303,78 @@
           </a:p>
         </p:txBody>
       </p:sp>
+      <p:pic>
+        <p:nvPicPr>
+          <p:cNvPr id="3" name="그림 2"/>
+          <p:cNvPicPr>
+            <a:picLocks noChangeAspect="1"/>
+          </p:cNvPicPr>
+          <p:nvPr/>
+        </p:nvPicPr>
+        <p:blipFill>
+          <a:blip r:embed="rId2"/>
+          <a:stretch>
+            <a:fillRect/>
+          </a:stretch>
+        </p:blipFill>
+        <p:spPr>
+          <a:xfrm>
+            <a:off x="1209399" y="2171412"/>
+            <a:ext cx="2457450" cy="2867025"/>
+          </a:xfrm>
+          <a:prstGeom prst="rect">
+            <a:avLst/>
+          </a:prstGeom>
+        </p:spPr>
+      </p:pic>
+      <p:pic>
+        <p:nvPicPr>
+          <p:cNvPr id="4" name="그림 3"/>
+          <p:cNvPicPr>
+            <a:picLocks noChangeAspect="1"/>
+          </p:cNvPicPr>
+          <p:nvPr/>
+        </p:nvPicPr>
+        <p:blipFill>
+          <a:blip r:embed="rId3"/>
+          <a:stretch>
+            <a:fillRect/>
+          </a:stretch>
+        </p:blipFill>
+        <p:spPr>
+          <a:xfrm>
+            <a:off x="4675522" y="2151358"/>
+            <a:ext cx="2865376" cy="2867024"/>
+          </a:xfrm>
+          <a:prstGeom prst="rect">
+            <a:avLst/>
+          </a:prstGeom>
+        </p:spPr>
+      </p:pic>
+      <p:pic>
+        <p:nvPicPr>
+          <p:cNvPr id="7" name="그림 6"/>
+          <p:cNvPicPr>
+            <a:picLocks noChangeAspect="1"/>
+          </p:cNvPicPr>
+          <p:nvPr/>
+        </p:nvPicPr>
+        <p:blipFill>
+          <a:blip r:embed="rId4"/>
+          <a:stretch>
+            <a:fillRect/>
+          </a:stretch>
+        </p:blipFill>
+        <p:spPr>
+          <a:xfrm>
+            <a:off x="8549571" y="2151357"/>
+            <a:ext cx="2840324" cy="2867025"/>
+          </a:xfrm>
+          <a:prstGeom prst="rect">
+            <a:avLst/>
+          </a:prstGeom>
+        </p:spPr>
+      </p:pic>
       <p:sp>
         <p:nvSpPr>
           <p:cNvPr id="303" name="TextBox 302"/>
@@ -4332,7 +4405,15 @@
                 <a:latin typeface="Meiryo" panose="020B0604030504040204" pitchFamily="34" charset="-128"/>
                 <a:cs typeface="Meiryo" panose="020B0604030504040204" pitchFamily="34" charset="-128"/>
               </a:rPr>
-              <a:t>소프트웨어 및 알고리즘</a:t>
+              <a:t>모델링 및 부품 설명</a:t>
+            </a:r>
+            <a:r>
+              <a:rPr lang="en-US" altLang="ko-KR" sz="2100" dirty="0" smtClean="0">
+                <a:latin typeface="Meiryo" panose="020B0604030504040204" pitchFamily="34" charset="-128"/>
+                <a:ea typeface="Meiryo" panose="020B0604030504040204" pitchFamily="34" charset="-128"/>
+                <a:cs typeface="Meiryo" panose="020B0604030504040204" pitchFamily="34" charset="-128"/>
+              </a:rPr>
+              <a:t>&gt;</a:t>
             </a:r>
             <a:endParaRPr lang="ko-KR" altLang="en-US" sz="2100" dirty="0">
               <a:latin typeface="Meiryo" panose="020B0604030504040204" pitchFamily="34" charset="-128"/>
@@ -4349,8 +4430,8 @@
         </p:nvSpPr>
         <p:spPr>
           <a:xfrm>
-            <a:off x="888557" y="5665766"/>
-            <a:ext cx="1902769" cy="738664"/>
+            <a:off x="1486739" y="5595428"/>
+            <a:ext cx="1902769" cy="415498"/>
           </a:xfrm>
           <a:prstGeom prst="rect">
             <a:avLst/>
@@ -4371,7 +4452,7 @@
                 <a:latin typeface="Meiryo" panose="020B0604030504040204" pitchFamily="34" charset="-128"/>
                 <a:cs typeface="Meiryo" panose="020B0604030504040204" pitchFamily="34" charset="-128"/>
               </a:rPr>
-              <a:t>인터페이스용 어플리케이션</a:t>
+              <a:t>조절장치 박스</a:t>
             </a:r>
             <a:endParaRPr lang="ko-KR" altLang="en-US" sz="2100" dirty="0">
               <a:solidFill>
@@ -4391,8 +4472,8 @@
         </p:nvSpPr>
         <p:spPr>
           <a:xfrm>
-            <a:off x="6115396" y="5665766"/>
-            <a:ext cx="2245153" cy="646331"/>
+            <a:off x="8847156" y="5387679"/>
+            <a:ext cx="2245153" cy="415498"/>
           </a:xfrm>
           <a:prstGeom prst="rect">
             <a:avLst/>
@@ -4406,74 +4487,34 @@
           <a:lstStyle/>
           <a:p>
             <a:r>
-              <a:rPr lang="en-US" altLang="ko-KR" b="1" dirty="0">
-                <a:solidFill>
-                  <a:schemeClr val="bg1"/>
-                </a:solidFill>
-              </a:rPr>
-              <a:t>Ramer–Douglas–</a:t>
-            </a:r>
-            <a:r>
-              <a:rPr lang="en-US" altLang="ko-KR" b="1" dirty="0" err="1">
-                <a:solidFill>
-                  <a:schemeClr val="bg1"/>
-                </a:solidFill>
-              </a:rPr>
-              <a:t>Peucker</a:t>
-            </a:r>
-            <a:r>
-              <a:rPr lang="en-US" altLang="ko-KR" b="1" dirty="0">
-                <a:solidFill>
-                  <a:schemeClr val="bg1"/>
-                </a:solidFill>
-              </a:rPr>
-              <a:t> algorithm</a:t>
-            </a:r>
-          </a:p>
-        </p:txBody>
-      </p:sp>
-      <p:sp>
-        <p:nvSpPr>
-          <p:cNvPr id="308" name="TextBox 307"/>
-          <p:cNvSpPr txBox="1"/>
-          <p:nvPr/>
-        </p:nvSpPr>
-        <p:spPr>
-          <a:xfrm>
-            <a:off x="3493756" y="5665766"/>
-            <a:ext cx="1919210" cy="738664"/>
-          </a:xfrm>
-          <a:prstGeom prst="rect">
-            <a:avLst/>
-          </a:prstGeom>
-          <a:noFill/>
-        </p:spPr>
-        <p:txBody>
-          <a:bodyPr wrap="square" rtlCol="0">
-            <a:spAutoFit/>
-          </a:bodyPr>
-          <a:lstStyle/>
-          <a:p>
-            <a:pPr algn="ctr"/>
-            <a:r>
-              <a:rPr lang="en-US" altLang="ko-KR" sz="2100" dirty="0" smtClean="0">
+              <a:rPr lang="ko-KR" altLang="en-US" sz="2100" dirty="0" err="1" smtClean="0">
                 <a:solidFill>
                   <a:schemeClr val="bg1"/>
                 </a:solidFill>
                 <a:latin typeface="Meiryo" panose="020B0604030504040204" pitchFamily="34" charset="-128"/>
                 <a:cs typeface="Meiryo" panose="020B0604030504040204" pitchFamily="34" charset="-128"/>
               </a:rPr>
-              <a:t>Raspberry Pi </a:t>
-            </a:r>
-            <a:r>
-              <a:rPr lang="ko-KR" altLang="en-US" sz="2100" dirty="0" smtClean="0">
+              <a:t>솔레노이드</a:t>
+            </a:r>
+            <a:r>
+              <a:rPr lang="ko-KR" altLang="en-US" sz="2100" dirty="0">
                 <a:solidFill>
                   <a:schemeClr val="bg1"/>
                 </a:solidFill>
                 <a:latin typeface="Meiryo" panose="020B0604030504040204" pitchFamily="34" charset="-128"/>
                 <a:cs typeface="Meiryo" panose="020B0604030504040204" pitchFamily="34" charset="-128"/>
               </a:rPr>
-              <a:t>기능</a:t>
+              <a:t> </a:t>
+            </a:r>
+            <a:r>
+              <a:rPr lang="ko-KR" altLang="en-US" sz="2100" dirty="0" smtClean="0">
+                <a:solidFill>
+                  <a:schemeClr val="bg1"/>
+                </a:solidFill>
+                <a:latin typeface="Meiryo" panose="020B0604030504040204" pitchFamily="34" charset="-128"/>
+                <a:cs typeface="Meiryo" panose="020B0604030504040204" pitchFamily="34" charset="-128"/>
+              </a:rPr>
+              <a:t>밸브</a:t>
             </a:r>
             <a:endParaRPr lang="ko-KR" altLang="en-US" sz="2100" dirty="0">
               <a:solidFill>
@@ -4485,117 +4526,16 @@
           </a:p>
         </p:txBody>
       </p:sp>
-      <p:pic>
-        <p:nvPicPr>
-          <p:cNvPr id="2" name="그림 1"/>
-          <p:cNvPicPr>
-            <a:picLocks noChangeAspect="1"/>
-          </p:cNvPicPr>
-          <p:nvPr/>
-        </p:nvPicPr>
-        <p:blipFill>
-          <a:blip r:embed="rId2" cstate="print">
-            <a:extLst>
-              <a:ext uri="{28A0092B-C50C-407E-A947-70E740481C1C}">
-                <a14:useLocalDpi xmlns:a14="http://schemas.microsoft.com/office/drawing/2010/main" val="0"/>
-              </a:ext>
-            </a:extLst>
-          </a:blip>
-          <a:stretch>
-            <a:fillRect/>
-          </a:stretch>
-        </p:blipFill>
-        <p:spPr>
-          <a:xfrm>
-            <a:off x="958753" y="2169748"/>
-            <a:ext cx="1762375" cy="3133110"/>
-          </a:xfrm>
-          <a:prstGeom prst="rect">
-            <a:avLst/>
-          </a:prstGeom>
-        </p:spPr>
-      </p:pic>
-      <p:pic>
-        <p:nvPicPr>
-          <p:cNvPr id="5" name="그림 4"/>
-          <p:cNvPicPr>
-            <a:picLocks noChangeAspect="1"/>
-          </p:cNvPicPr>
-          <p:nvPr/>
-        </p:nvPicPr>
-        <p:blipFill>
-          <a:blip r:embed="rId3" cstate="print">
-            <a:extLst>
-              <a:ext uri="{28A0092B-C50C-407E-A947-70E740481C1C}">
-                <a14:useLocalDpi xmlns:a14="http://schemas.microsoft.com/office/drawing/2010/main" val="0"/>
-              </a:ext>
-            </a:extLst>
-          </a:blip>
-          <a:stretch>
-            <a:fillRect/>
-          </a:stretch>
-        </p:blipFill>
-        <p:spPr>
-          <a:xfrm>
-            <a:off x="958753" y="2169748"/>
-            <a:ext cx="1762375" cy="3133111"/>
-          </a:xfrm>
-          <a:prstGeom prst="rect">
-            <a:avLst/>
-          </a:prstGeom>
-        </p:spPr>
-      </p:pic>
-      <p:pic>
-        <p:nvPicPr>
-          <p:cNvPr id="1026" name="Picture 2" descr="File:Raspberry Pi B+ illustration.svg"/>
-          <p:cNvPicPr>
-            <a:picLocks noChangeAspect="1" noChangeArrowheads="1"/>
-          </p:cNvPicPr>
-          <p:nvPr/>
-        </p:nvPicPr>
-        <p:blipFill>
-          <a:blip r:embed="rId4">
-            <a:extLst>
-              <a:ext uri="{28A0092B-C50C-407E-A947-70E740481C1C}">
-                <a14:useLocalDpi xmlns:a14="http://schemas.microsoft.com/office/drawing/2010/main" val="0"/>
-              </a:ext>
-            </a:extLst>
-          </a:blip>
-          <a:srcRect/>
-          <a:stretch>
-            <a:fillRect/>
-          </a:stretch>
-        </p:blipFill>
-        <p:spPr bwMode="auto">
-          <a:xfrm rot="5400000">
-            <a:off x="2865984" y="2700804"/>
-            <a:ext cx="3186336" cy="2124224"/>
-          </a:xfrm>
-          <a:prstGeom prst="rect">
-            <a:avLst/>
-          </a:prstGeom>
-          <a:noFill/>
-          <a:extLst>
-            <a:ext uri="{909E8E84-426E-40DD-AFC4-6F175D3DCCD1}">
-              <a14:hiddenFill xmlns:a14="http://schemas.microsoft.com/office/drawing/2010/main">
-                <a:solidFill>
-                  <a:srgbClr val="FFFFFF"/>
-                </a:solidFill>
-              </a14:hiddenFill>
-            </a:ext>
-          </a:extLst>
-        </p:spPr>
-      </p:pic>
-      <p:sp>
-        <p:nvSpPr>
-          <p:cNvPr id="16" name="TextBox 15"/>
+      <p:sp>
+        <p:nvSpPr>
+          <p:cNvPr id="308" name="TextBox 307"/>
           <p:cNvSpPr txBox="1"/>
           <p:nvPr/>
         </p:nvSpPr>
         <p:spPr>
           <a:xfrm>
-            <a:off x="9062979" y="5665766"/>
-            <a:ext cx="2245153" cy="738664"/>
+            <a:off x="5299275" y="5595428"/>
+            <a:ext cx="1638114" cy="415498"/>
           </a:xfrm>
           <a:prstGeom prst="rect">
             <a:avLst/>
@@ -4609,34 +4549,14 @@
           <a:lstStyle/>
           <a:p>
             <a:r>
-              <a:rPr lang="en-US" altLang="ko-KR" sz="2100" dirty="0" smtClean="0">
+              <a:rPr lang="ko-KR" altLang="en-US" sz="2100" smtClean="0">
                 <a:solidFill>
                   <a:schemeClr val="bg1"/>
                 </a:solidFill>
                 <a:latin typeface="Meiryo" panose="020B0604030504040204" pitchFamily="34" charset="-128"/>
                 <a:cs typeface="Meiryo" panose="020B0604030504040204" pitchFamily="34" charset="-128"/>
               </a:rPr>
-              <a:t>Extended </a:t>
-            </a:r>
-            <a:r>
-              <a:rPr lang="en-US" altLang="ko-KR" sz="2100" dirty="0" err="1" smtClean="0">
-                <a:solidFill>
-                  <a:schemeClr val="bg1"/>
-                </a:solidFill>
-                <a:latin typeface="Meiryo" panose="020B0604030504040204" pitchFamily="34" charset="-128"/>
-                <a:cs typeface="Meiryo" panose="020B0604030504040204" pitchFamily="34" charset="-128"/>
-              </a:rPr>
-              <a:t>Kalman</a:t>
-            </a:r>
-            <a:r>
-              <a:rPr lang="en-US" altLang="ko-KR" sz="2100" dirty="0" smtClean="0">
-                <a:solidFill>
-                  <a:schemeClr val="bg1"/>
-                </a:solidFill>
-                <a:latin typeface="Meiryo" panose="020B0604030504040204" pitchFamily="34" charset="-128"/>
-                <a:cs typeface="Meiryo" panose="020B0604030504040204" pitchFamily="34" charset="-128"/>
-              </a:rPr>
-              <a:t> Filter</a:t>
+              <a:t>조절장치 바</a:t>
             </a:r>
             <a:endParaRPr lang="ko-KR" altLang="en-US" sz="2100" dirty="0">
               <a:solidFill>
@@ -4648,64 +4568,10 @@
           </a:p>
         </p:txBody>
       </p:sp>
-      <p:pic>
-        <p:nvPicPr>
-          <p:cNvPr id="6" name="그림 5"/>
-          <p:cNvPicPr>
-            <a:picLocks noChangeAspect="1"/>
-          </p:cNvPicPr>
-          <p:nvPr/>
-        </p:nvPicPr>
-        <p:blipFill>
-          <a:blip r:embed="rId5" cstate="print">
-            <a:extLst>
-              <a:ext uri="{28A0092B-C50C-407E-A947-70E740481C1C}">
-                <a14:useLocalDpi xmlns:a14="http://schemas.microsoft.com/office/drawing/2010/main" val="0"/>
-              </a:ext>
-            </a:extLst>
-          </a:blip>
-          <a:stretch>
-            <a:fillRect/>
-          </a:stretch>
-        </p:blipFill>
-        <p:spPr>
-          <a:xfrm>
-            <a:off x="6011148" y="3322756"/>
-            <a:ext cx="2349401" cy="825961"/>
-          </a:xfrm>
-          <a:prstGeom prst="rect">
-            <a:avLst/>
-          </a:prstGeom>
-        </p:spPr>
-      </p:pic>
-      <p:pic>
-        <p:nvPicPr>
-          <p:cNvPr id="8" name="그림 7"/>
-          <p:cNvPicPr>
-            <a:picLocks noChangeAspect="1"/>
-          </p:cNvPicPr>
-          <p:nvPr/>
-        </p:nvPicPr>
-        <p:blipFill>
-          <a:blip r:embed="rId6"/>
-          <a:stretch>
-            <a:fillRect/>
-          </a:stretch>
-        </p:blipFill>
-        <p:spPr>
-          <a:xfrm>
-            <a:off x="8661157" y="2561220"/>
-            <a:ext cx="3041784" cy="2397641"/>
-          </a:xfrm>
-          <a:prstGeom prst="rect">
-            <a:avLst/>
-          </a:prstGeom>
-        </p:spPr>
-      </p:pic>
     </p:spTree>
     <p:extLst>
       <p:ext uri="{BB962C8B-B14F-4D97-AF65-F5344CB8AC3E}">
-        <p14:creationId xmlns:p14="http://schemas.microsoft.com/office/powerpoint/2010/main" val="3710600218"/>
+        <p14:creationId xmlns:p14="http://schemas.microsoft.com/office/powerpoint/2010/main" val="2520441467"/>
       </p:ext>
     </p:extLst>
   </p:cSld>
@@ -4715,443 +4581,9 @@
   <p:timing>
     <p:tnLst>
       <p:par>
-        <p:cTn id="1" dur="indefinite" restart="never" nodeType="tmRoot">
-          <p:childTnLst>
-            <p:seq concurrent="1" nextAc="seek">
-              <p:cTn id="2" dur="indefinite" nodeType="mainSeq">
-                <p:childTnLst>
-                  <p:par>
-                    <p:cTn id="3" fill="hold">
-                      <p:stCondLst>
-                        <p:cond delay="indefinite"/>
-                      </p:stCondLst>
-                      <p:childTnLst>
-                        <p:par>
-                          <p:cTn id="4" fill="hold">
-                            <p:stCondLst>
-                              <p:cond delay="0"/>
-                            </p:stCondLst>
-                            <p:childTnLst>
-                              <p:par>
-                                <p:cTn id="5" presetID="10" presetClass="entr" presetSubtype="0" fill="hold" nodeType="clickEffect">
-                                  <p:stCondLst>
-                                    <p:cond delay="0"/>
-                                  </p:stCondLst>
-                                  <p:childTnLst>
-                                    <p:set>
-                                      <p:cBhvr>
-                                        <p:cTn id="6" dur="1" fill="hold">
-                                          <p:stCondLst>
-                                            <p:cond delay="0"/>
-                                          </p:stCondLst>
-                                        </p:cTn>
-                                        <p:tgtEl>
-                                          <p:spTgt spid="2"/>
-                                        </p:tgtEl>
-                                        <p:attrNameLst>
-                                          <p:attrName>style.visibility</p:attrName>
-                                        </p:attrNameLst>
-                                      </p:cBhvr>
-                                      <p:to>
-                                        <p:strVal val="visible"/>
-                                      </p:to>
-                                    </p:set>
-                                    <p:animEffect transition="in" filter="fade">
-                                      <p:cBhvr>
-                                        <p:cTn id="7" dur="500"/>
-                                        <p:tgtEl>
-                                          <p:spTgt spid="2"/>
-                                        </p:tgtEl>
-                                      </p:cBhvr>
-                                    </p:animEffect>
-                                  </p:childTnLst>
-                                </p:cTn>
-                              </p:par>
-                              <p:par>
-                                <p:cTn id="8" presetID="10" presetClass="entr" presetSubtype="0" fill="hold" grpId="0" nodeType="withEffect">
-                                  <p:stCondLst>
-                                    <p:cond delay="0"/>
-                                  </p:stCondLst>
-                                  <p:childTnLst>
-                                    <p:set>
-                                      <p:cBhvr>
-                                        <p:cTn id="9" dur="1" fill="hold">
-                                          <p:stCondLst>
-                                            <p:cond delay="0"/>
-                                          </p:stCondLst>
-                                        </p:cTn>
-                                        <p:tgtEl>
-                                          <p:spTgt spid="304"/>
-                                        </p:tgtEl>
-                                        <p:attrNameLst>
-                                          <p:attrName>style.visibility</p:attrName>
-                                        </p:attrNameLst>
-                                      </p:cBhvr>
-                                      <p:to>
-                                        <p:strVal val="visible"/>
-                                      </p:to>
-                                    </p:set>
-                                    <p:animEffect transition="in" filter="fade">
-                                      <p:cBhvr>
-                                        <p:cTn id="10" dur="500"/>
-                                        <p:tgtEl>
-                                          <p:spTgt spid="304"/>
-                                        </p:tgtEl>
-                                      </p:cBhvr>
-                                    </p:animEffect>
-                                  </p:childTnLst>
-                                </p:cTn>
-                              </p:par>
-                            </p:childTnLst>
-                          </p:cTn>
-                        </p:par>
-                      </p:childTnLst>
-                    </p:cTn>
-                  </p:par>
-                  <p:par>
-                    <p:cTn id="11" fill="hold">
-                      <p:stCondLst>
-                        <p:cond delay="indefinite"/>
-                      </p:stCondLst>
-                      <p:childTnLst>
-                        <p:par>
-                          <p:cTn id="12" fill="hold">
-                            <p:stCondLst>
-                              <p:cond delay="0"/>
-                            </p:stCondLst>
-                            <p:childTnLst>
-                              <p:par>
-                                <p:cTn id="13" presetID="10" presetClass="entr" presetSubtype="0" fill="hold" nodeType="clickEffect">
-                                  <p:stCondLst>
-                                    <p:cond delay="0"/>
-                                  </p:stCondLst>
-                                  <p:childTnLst>
-                                    <p:set>
-                                      <p:cBhvr>
-                                        <p:cTn id="14" dur="1" fill="hold">
-                                          <p:stCondLst>
-                                            <p:cond delay="0"/>
-                                          </p:stCondLst>
-                                        </p:cTn>
-                                        <p:tgtEl>
-                                          <p:spTgt spid="5"/>
-                                        </p:tgtEl>
-                                        <p:attrNameLst>
-                                          <p:attrName>style.visibility</p:attrName>
-                                        </p:attrNameLst>
-                                      </p:cBhvr>
-                                      <p:to>
-                                        <p:strVal val="visible"/>
-                                      </p:to>
-                                    </p:set>
-                                    <p:animEffect transition="in" filter="fade">
-                                      <p:cBhvr>
-                                        <p:cTn id="15" dur="500"/>
-                                        <p:tgtEl>
-                                          <p:spTgt spid="5"/>
-                                        </p:tgtEl>
-                                      </p:cBhvr>
-                                    </p:animEffect>
-                                  </p:childTnLst>
-                                </p:cTn>
-                              </p:par>
-                            </p:childTnLst>
-                          </p:cTn>
-                        </p:par>
-                      </p:childTnLst>
-                    </p:cTn>
-                  </p:par>
-                  <p:par>
-                    <p:cTn id="16" fill="hold">
-                      <p:stCondLst>
-                        <p:cond delay="indefinite"/>
-                      </p:stCondLst>
-                      <p:childTnLst>
-                        <p:par>
-                          <p:cTn id="17" fill="hold">
-                            <p:stCondLst>
-                              <p:cond delay="0"/>
-                            </p:stCondLst>
-                            <p:childTnLst>
-                              <p:par>
-                                <p:cTn id="18" presetID="10" presetClass="entr" presetSubtype="0" fill="hold" nodeType="clickEffect">
-                                  <p:stCondLst>
-                                    <p:cond delay="0"/>
-                                  </p:stCondLst>
-                                  <p:childTnLst>
-                                    <p:set>
-                                      <p:cBhvr>
-                                        <p:cTn id="19" dur="1" fill="hold">
-                                          <p:stCondLst>
-                                            <p:cond delay="0"/>
-                                          </p:stCondLst>
-                                        </p:cTn>
-                                        <p:tgtEl>
-                                          <p:spTgt spid="1026"/>
-                                        </p:tgtEl>
-                                        <p:attrNameLst>
-                                          <p:attrName>style.visibility</p:attrName>
-                                        </p:attrNameLst>
-                                      </p:cBhvr>
-                                      <p:to>
-                                        <p:strVal val="visible"/>
-                                      </p:to>
-                                    </p:set>
-                                    <p:animEffect transition="in" filter="fade">
-                                      <p:cBhvr>
-                                        <p:cTn id="20" dur="500"/>
-                                        <p:tgtEl>
-                                          <p:spTgt spid="1026"/>
-                                        </p:tgtEl>
-                                      </p:cBhvr>
-                                    </p:animEffect>
-                                  </p:childTnLst>
-                                </p:cTn>
-                              </p:par>
-                              <p:par>
-                                <p:cTn id="21" presetID="10" presetClass="entr" presetSubtype="0" fill="hold" grpId="0" nodeType="withEffect">
-                                  <p:stCondLst>
-                                    <p:cond delay="0"/>
-                                  </p:stCondLst>
-                                  <p:childTnLst>
-                                    <p:set>
-                                      <p:cBhvr>
-                                        <p:cTn id="22" dur="1" fill="hold">
-                                          <p:stCondLst>
-                                            <p:cond delay="0"/>
-                                          </p:stCondLst>
-                                        </p:cTn>
-                                        <p:tgtEl>
-                                          <p:spTgt spid="308"/>
-                                        </p:tgtEl>
-                                        <p:attrNameLst>
-                                          <p:attrName>style.visibility</p:attrName>
-                                        </p:attrNameLst>
-                                      </p:cBhvr>
-                                      <p:to>
-                                        <p:strVal val="visible"/>
-                                      </p:to>
-                                    </p:set>
-                                    <p:animEffect transition="in" filter="fade">
-                                      <p:cBhvr>
-                                        <p:cTn id="23" dur="500"/>
-                                        <p:tgtEl>
-                                          <p:spTgt spid="308"/>
-                                        </p:tgtEl>
-                                      </p:cBhvr>
-                                    </p:animEffect>
-                                  </p:childTnLst>
-                                </p:cTn>
-                              </p:par>
-                            </p:childTnLst>
-                          </p:cTn>
-                        </p:par>
-                      </p:childTnLst>
-                    </p:cTn>
-                  </p:par>
-                  <p:par>
-                    <p:cTn id="24" fill="hold">
-                      <p:stCondLst>
-                        <p:cond delay="indefinite"/>
-                      </p:stCondLst>
-                      <p:childTnLst>
-                        <p:par>
-                          <p:cTn id="25" fill="hold">
-                            <p:stCondLst>
-                              <p:cond delay="0"/>
-                            </p:stCondLst>
-                            <p:childTnLst>
-                              <p:par>
-                                <p:cTn id="26" presetID="10" presetClass="entr" presetSubtype="0" fill="hold" nodeType="clickEffect">
-                                  <p:stCondLst>
-                                    <p:cond delay="0"/>
-                                  </p:stCondLst>
-                                  <p:childTnLst>
-                                    <p:set>
-                                      <p:cBhvr>
-                                        <p:cTn id="27" dur="1" fill="hold">
-                                          <p:stCondLst>
-                                            <p:cond delay="0"/>
-                                          </p:stCondLst>
-                                        </p:cTn>
-                                        <p:tgtEl>
-                                          <p:spTgt spid="6"/>
-                                        </p:tgtEl>
-                                        <p:attrNameLst>
-                                          <p:attrName>style.visibility</p:attrName>
-                                        </p:attrNameLst>
-                                      </p:cBhvr>
-                                      <p:to>
-                                        <p:strVal val="visible"/>
-                                      </p:to>
-                                    </p:set>
-                                    <p:animEffect transition="in" filter="fade">
-                                      <p:cBhvr>
-                                        <p:cTn id="28" dur="500"/>
-                                        <p:tgtEl>
-                                          <p:spTgt spid="6"/>
-                                        </p:tgtEl>
-                                      </p:cBhvr>
-                                    </p:animEffect>
-                                  </p:childTnLst>
-                                </p:cTn>
-                              </p:par>
-                              <p:par>
-                                <p:cTn id="29" presetID="10" presetClass="entr" presetSubtype="0" fill="hold" grpId="0" nodeType="withEffect">
-                                  <p:stCondLst>
-                                    <p:cond delay="0"/>
-                                  </p:stCondLst>
-                                  <p:childTnLst>
-                                    <p:set>
-                                      <p:cBhvr>
-                                        <p:cTn id="30" dur="1" fill="hold">
-                                          <p:stCondLst>
-                                            <p:cond delay="0"/>
-                                          </p:stCondLst>
-                                        </p:cTn>
-                                        <p:tgtEl>
-                                          <p:spTgt spid="307"/>
-                                        </p:tgtEl>
-                                        <p:attrNameLst>
-                                          <p:attrName>style.visibility</p:attrName>
-                                        </p:attrNameLst>
-                                      </p:cBhvr>
-                                      <p:to>
-                                        <p:strVal val="visible"/>
-                                      </p:to>
-                                    </p:set>
-                                    <p:animEffect transition="in" filter="fade">
-                                      <p:cBhvr>
-                                        <p:cTn id="31" dur="500"/>
-                                        <p:tgtEl>
-                                          <p:spTgt spid="307"/>
-                                        </p:tgtEl>
-                                      </p:cBhvr>
-                                    </p:animEffect>
-                                  </p:childTnLst>
-                                </p:cTn>
-                              </p:par>
-                            </p:childTnLst>
-                          </p:cTn>
-                        </p:par>
-                      </p:childTnLst>
-                    </p:cTn>
-                  </p:par>
-                  <p:par>
-                    <p:cTn id="32" fill="hold">
-                      <p:stCondLst>
-                        <p:cond delay="indefinite"/>
-                      </p:stCondLst>
-                      <p:childTnLst>
-                        <p:par>
-                          <p:cTn id="33" fill="hold">
-                            <p:stCondLst>
-                              <p:cond delay="0"/>
-                            </p:stCondLst>
-                            <p:childTnLst>
-                              <p:par>
-                                <p:cTn id="34" presetID="10" presetClass="entr" presetSubtype="0" fill="hold" nodeType="clickEffect">
-                                  <p:stCondLst>
-                                    <p:cond delay="0"/>
-                                  </p:stCondLst>
-                                  <p:childTnLst>
-                                    <p:set>
-                                      <p:cBhvr>
-                                        <p:cTn id="35" dur="1" fill="hold">
-                                          <p:stCondLst>
-                                            <p:cond delay="0"/>
-                                          </p:stCondLst>
-                                        </p:cTn>
-                                        <p:tgtEl>
-                                          <p:spTgt spid="8"/>
-                                        </p:tgtEl>
-                                        <p:attrNameLst>
-                                          <p:attrName>style.visibility</p:attrName>
-                                        </p:attrNameLst>
-                                      </p:cBhvr>
-                                      <p:to>
-                                        <p:strVal val="visible"/>
-                                      </p:to>
-                                    </p:set>
-                                    <p:animEffect transition="in" filter="fade">
-                                      <p:cBhvr>
-                                        <p:cTn id="36" dur="500"/>
-                                        <p:tgtEl>
-                                          <p:spTgt spid="8"/>
-                                        </p:tgtEl>
-                                      </p:cBhvr>
-                                    </p:animEffect>
-                                  </p:childTnLst>
-                                </p:cTn>
-                              </p:par>
-                              <p:par>
-                                <p:cTn id="37" presetID="10" presetClass="entr" presetSubtype="0" fill="hold" grpId="0" nodeType="withEffect">
-                                  <p:stCondLst>
-                                    <p:cond delay="0"/>
-                                  </p:stCondLst>
-                                  <p:childTnLst>
-                                    <p:set>
-                                      <p:cBhvr>
-                                        <p:cTn id="38" dur="1" fill="hold">
-                                          <p:stCondLst>
-                                            <p:cond delay="0"/>
-                                          </p:stCondLst>
-                                        </p:cTn>
-                                        <p:tgtEl>
-                                          <p:spTgt spid="16"/>
-                                        </p:tgtEl>
-                                        <p:attrNameLst>
-                                          <p:attrName>style.visibility</p:attrName>
-                                        </p:attrNameLst>
-                                      </p:cBhvr>
-                                      <p:to>
-                                        <p:strVal val="visible"/>
-                                      </p:to>
-                                    </p:set>
-                                    <p:animEffect transition="in" filter="fade">
-                                      <p:cBhvr>
-                                        <p:cTn id="39" dur="500"/>
-                                        <p:tgtEl>
-                                          <p:spTgt spid="16"/>
-                                        </p:tgtEl>
-                                      </p:cBhvr>
-                                    </p:animEffect>
-                                  </p:childTnLst>
-                                </p:cTn>
-                              </p:par>
-                            </p:childTnLst>
-                          </p:cTn>
-                        </p:par>
-                      </p:childTnLst>
-                    </p:cTn>
-                  </p:par>
-                </p:childTnLst>
-              </p:cTn>
-              <p:prevCondLst>
-                <p:cond evt="onPrev" delay="0">
-                  <p:tgtEl>
-                    <p:sldTgt/>
-                  </p:tgtEl>
-                </p:cond>
-              </p:prevCondLst>
-              <p:nextCondLst>
-                <p:cond evt="onNext" delay="0">
-                  <p:tgtEl>
-                    <p:sldTgt/>
-                  </p:tgtEl>
-                </p:cond>
-              </p:nextCondLst>
-            </p:seq>
-          </p:childTnLst>
-        </p:cTn>
+        <p:cTn id="1" dur="indefinite" restart="never" nodeType="tmRoot"/>
       </p:par>
     </p:tnLst>
-    <p:bldLst>
-      <p:bldP spid="304" grpId="0"/>
-      <p:bldP spid="307" grpId="0"/>
-      <p:bldP spid="308" grpId="0"/>
-      <p:bldP spid="16" grpId="0"/>
-    </p:bldLst>
   </p:timing>
 </p:sld>
 </file>
@@ -5397,6 +4829,1134 @@
         <p:spPr>
           <a:xfrm>
             <a:off x="888557" y="265928"/>
+            <a:ext cx="2316660" cy="523220"/>
+          </a:xfrm>
+          <a:prstGeom prst="rect">
+            <a:avLst/>
+          </a:prstGeom>
+          <a:noFill/>
+        </p:spPr>
+        <p:txBody>
+          <a:bodyPr wrap="none" rtlCol="0">
+            <a:spAutoFit/>
+          </a:bodyPr>
+          <a:lstStyle/>
+          <a:p>
+            <a:r>
+              <a:rPr lang="ko-KR" altLang="en-US" sz="2800" dirty="0" smtClean="0">
+                <a:solidFill>
+                  <a:schemeClr val="bg1"/>
+                </a:solidFill>
+                <a:latin typeface="KoPub돋움체 Light" panose="02020603020101020101" pitchFamily="18" charset="-127"/>
+                <a:ea typeface="KoPub돋움체 Light" panose="02020603020101020101" pitchFamily="18" charset="-127"/>
+              </a:rPr>
+              <a:t>작품 설명 현종</a:t>
+            </a:r>
+            <a:endParaRPr lang="ko-KR" altLang="en-US" sz="2800" dirty="0">
+              <a:solidFill>
+                <a:schemeClr val="bg1"/>
+              </a:solidFill>
+              <a:latin typeface="KoPub돋움체 Light" panose="02020603020101020101" pitchFamily="18" charset="-127"/>
+              <a:ea typeface="KoPub돋움체 Light" panose="02020603020101020101" pitchFamily="18" charset="-127"/>
+            </a:endParaRPr>
+          </a:p>
+        </p:txBody>
+      </p:sp>
+      <p:sp>
+        <p:nvSpPr>
+          <p:cNvPr id="12" name="TextBox 11"/>
+          <p:cNvSpPr txBox="1"/>
+          <p:nvPr/>
+        </p:nvSpPr>
+        <p:spPr>
+          <a:xfrm>
+            <a:off x="1209399" y="1321005"/>
+            <a:ext cx="5272274" cy="415498"/>
+          </a:xfrm>
+          <a:prstGeom prst="rect">
+            <a:avLst/>
+          </a:prstGeom>
+          <a:noFill/>
+        </p:spPr>
+        <p:txBody>
+          <a:bodyPr wrap="square" rtlCol="0">
+            <a:spAutoFit/>
+          </a:bodyPr>
+          <a:lstStyle/>
+          <a:p>
+            <a:r>
+              <a:rPr lang="ko-KR" altLang="en-US" sz="2100" dirty="0" smtClean="0">
+                <a:solidFill>
+                  <a:schemeClr val="bg1"/>
+                </a:solidFill>
+                <a:latin typeface="Meiryo" panose="020B0604030504040204" pitchFamily="34" charset="-128"/>
+                <a:cs typeface="Meiryo" panose="020B0604030504040204" pitchFamily="34" charset="-128"/>
+              </a:rPr>
+              <a:t>소프트웨어 및 알고리즘</a:t>
+            </a:r>
+            <a:endParaRPr lang="ko-KR" altLang="en-US" sz="2100" dirty="0">
+              <a:latin typeface="Meiryo" panose="020B0604030504040204" pitchFamily="34" charset="-128"/>
+              <a:cs typeface="Meiryo" panose="020B0604030504040204" pitchFamily="34" charset="-128"/>
+            </a:endParaRPr>
+          </a:p>
+        </p:txBody>
+      </p:sp>
+      <p:sp>
+        <p:nvSpPr>
+          <p:cNvPr id="13" name="TextBox 12"/>
+          <p:cNvSpPr txBox="1"/>
+          <p:nvPr/>
+        </p:nvSpPr>
+        <p:spPr>
+          <a:xfrm>
+            <a:off x="888557" y="5665766"/>
+            <a:ext cx="1902769" cy="738664"/>
+          </a:xfrm>
+          <a:prstGeom prst="rect">
+            <a:avLst/>
+          </a:prstGeom>
+          <a:noFill/>
+        </p:spPr>
+        <p:txBody>
+          <a:bodyPr wrap="square" rtlCol="0">
+            <a:spAutoFit/>
+          </a:bodyPr>
+          <a:lstStyle/>
+          <a:p>
+            <a:r>
+              <a:rPr lang="ko-KR" altLang="en-US" sz="2100" dirty="0" smtClean="0">
+                <a:solidFill>
+                  <a:schemeClr val="bg1"/>
+                </a:solidFill>
+                <a:latin typeface="Meiryo" panose="020B0604030504040204" pitchFamily="34" charset="-128"/>
+                <a:cs typeface="Meiryo" panose="020B0604030504040204" pitchFamily="34" charset="-128"/>
+              </a:rPr>
+              <a:t>인터페이스용 어플리케이션</a:t>
+            </a:r>
+            <a:endParaRPr lang="ko-KR" altLang="en-US" sz="2100" dirty="0">
+              <a:solidFill>
+                <a:schemeClr val="bg1"/>
+              </a:solidFill>
+              <a:latin typeface="Meiryo" panose="020B0604030504040204" pitchFamily="34" charset="-128"/>
+              <a:cs typeface="Meiryo" panose="020B0604030504040204" pitchFamily="34" charset="-128"/>
+            </a:endParaRPr>
+          </a:p>
+        </p:txBody>
+      </p:sp>
+      <p:sp>
+        <p:nvSpPr>
+          <p:cNvPr id="14" name="TextBox 13"/>
+          <p:cNvSpPr txBox="1"/>
+          <p:nvPr/>
+        </p:nvSpPr>
+        <p:spPr>
+          <a:xfrm>
+            <a:off x="6115396" y="5665766"/>
+            <a:ext cx="2245153" cy="646331"/>
+          </a:xfrm>
+          <a:prstGeom prst="rect">
+            <a:avLst/>
+          </a:prstGeom>
+          <a:noFill/>
+        </p:spPr>
+        <p:txBody>
+          <a:bodyPr wrap="square" rtlCol="0">
+            <a:spAutoFit/>
+          </a:bodyPr>
+          <a:lstStyle/>
+          <a:p>
+            <a:r>
+              <a:rPr lang="en-US" altLang="ko-KR" b="1" dirty="0">
+                <a:solidFill>
+                  <a:schemeClr val="bg1"/>
+                </a:solidFill>
+              </a:rPr>
+              <a:t>Ramer–Douglas–</a:t>
+            </a:r>
+            <a:r>
+              <a:rPr lang="en-US" altLang="ko-KR" b="1" dirty="0" err="1">
+                <a:solidFill>
+                  <a:schemeClr val="bg1"/>
+                </a:solidFill>
+              </a:rPr>
+              <a:t>Peucker</a:t>
+            </a:r>
+            <a:r>
+              <a:rPr lang="en-US" altLang="ko-KR" b="1" dirty="0">
+                <a:solidFill>
+                  <a:schemeClr val="bg1"/>
+                </a:solidFill>
+              </a:rPr>
+              <a:t> algorithm</a:t>
+            </a:r>
+          </a:p>
+        </p:txBody>
+      </p:sp>
+      <p:sp>
+        <p:nvSpPr>
+          <p:cNvPr id="15" name="TextBox 14"/>
+          <p:cNvSpPr txBox="1"/>
+          <p:nvPr/>
+        </p:nvSpPr>
+        <p:spPr>
+          <a:xfrm>
+            <a:off x="3493756" y="5665766"/>
+            <a:ext cx="1919210" cy="738664"/>
+          </a:xfrm>
+          <a:prstGeom prst="rect">
+            <a:avLst/>
+          </a:prstGeom>
+          <a:noFill/>
+        </p:spPr>
+        <p:txBody>
+          <a:bodyPr wrap="square" rtlCol="0">
+            <a:spAutoFit/>
+          </a:bodyPr>
+          <a:lstStyle/>
+          <a:p>
+            <a:pPr algn="ctr"/>
+            <a:r>
+              <a:rPr lang="en-US" altLang="ko-KR" sz="2100" dirty="0" smtClean="0">
+                <a:solidFill>
+                  <a:schemeClr val="bg1"/>
+                </a:solidFill>
+                <a:latin typeface="Meiryo" panose="020B0604030504040204" pitchFamily="34" charset="-128"/>
+                <a:cs typeface="Meiryo" panose="020B0604030504040204" pitchFamily="34" charset="-128"/>
+              </a:rPr>
+              <a:t>Raspberry Pi </a:t>
+            </a:r>
+            <a:r>
+              <a:rPr lang="ko-KR" altLang="en-US" sz="2100" dirty="0" smtClean="0">
+                <a:solidFill>
+                  <a:schemeClr val="bg1"/>
+                </a:solidFill>
+                <a:latin typeface="Meiryo" panose="020B0604030504040204" pitchFamily="34" charset="-128"/>
+                <a:cs typeface="Meiryo" panose="020B0604030504040204" pitchFamily="34" charset="-128"/>
+              </a:rPr>
+              <a:t>기능</a:t>
+            </a:r>
+            <a:endParaRPr lang="ko-KR" altLang="en-US" sz="2100" dirty="0">
+              <a:solidFill>
+                <a:schemeClr val="bg1"/>
+              </a:solidFill>
+              <a:latin typeface="Meiryo" panose="020B0604030504040204" pitchFamily="34" charset="-128"/>
+              <a:cs typeface="Meiryo" panose="020B0604030504040204" pitchFamily="34" charset="-128"/>
+            </a:endParaRPr>
+          </a:p>
+        </p:txBody>
+      </p:sp>
+      <p:pic>
+        <p:nvPicPr>
+          <p:cNvPr id="16" name="그림 15"/>
+          <p:cNvPicPr>
+            <a:picLocks noChangeAspect="1"/>
+          </p:cNvPicPr>
+          <p:nvPr/>
+        </p:nvPicPr>
+        <p:blipFill>
+          <a:blip r:embed="rId2" cstate="print">
+            <a:extLst>
+              <a:ext uri="{28A0092B-C50C-407E-A947-70E740481C1C}">
+                <a14:useLocalDpi xmlns:a14="http://schemas.microsoft.com/office/drawing/2010/main" val="0"/>
+              </a:ext>
+            </a:extLst>
+          </a:blip>
+          <a:stretch>
+            <a:fillRect/>
+          </a:stretch>
+        </p:blipFill>
+        <p:spPr>
+          <a:xfrm>
+            <a:off x="958753" y="2169748"/>
+            <a:ext cx="1762375" cy="3133110"/>
+          </a:xfrm>
+          <a:prstGeom prst="rect">
+            <a:avLst/>
+          </a:prstGeom>
+        </p:spPr>
+      </p:pic>
+      <p:pic>
+        <p:nvPicPr>
+          <p:cNvPr id="17" name="그림 16"/>
+          <p:cNvPicPr>
+            <a:picLocks noChangeAspect="1"/>
+          </p:cNvPicPr>
+          <p:nvPr/>
+        </p:nvPicPr>
+        <p:blipFill>
+          <a:blip r:embed="rId3" cstate="print">
+            <a:extLst>
+              <a:ext uri="{28A0092B-C50C-407E-A947-70E740481C1C}">
+                <a14:useLocalDpi xmlns:a14="http://schemas.microsoft.com/office/drawing/2010/main" val="0"/>
+              </a:ext>
+            </a:extLst>
+          </a:blip>
+          <a:stretch>
+            <a:fillRect/>
+          </a:stretch>
+        </p:blipFill>
+        <p:spPr>
+          <a:xfrm>
+            <a:off x="958753" y="2169748"/>
+            <a:ext cx="1762375" cy="3133111"/>
+          </a:xfrm>
+          <a:prstGeom prst="rect">
+            <a:avLst/>
+          </a:prstGeom>
+        </p:spPr>
+      </p:pic>
+      <p:pic>
+        <p:nvPicPr>
+          <p:cNvPr id="18" name="Picture 2" descr="File:Raspberry Pi B+ illustration.svg"/>
+          <p:cNvPicPr>
+            <a:picLocks noChangeAspect="1" noChangeArrowheads="1"/>
+          </p:cNvPicPr>
+          <p:nvPr/>
+        </p:nvPicPr>
+        <p:blipFill>
+          <a:blip r:embed="rId4">
+            <a:extLst>
+              <a:ext uri="{28A0092B-C50C-407E-A947-70E740481C1C}">
+                <a14:useLocalDpi xmlns:a14="http://schemas.microsoft.com/office/drawing/2010/main" val="0"/>
+              </a:ext>
+            </a:extLst>
+          </a:blip>
+          <a:srcRect/>
+          <a:stretch>
+            <a:fillRect/>
+          </a:stretch>
+        </p:blipFill>
+        <p:spPr bwMode="auto">
+          <a:xfrm rot="5400000">
+            <a:off x="2865984" y="2700804"/>
+            <a:ext cx="3186336" cy="2124224"/>
+          </a:xfrm>
+          <a:prstGeom prst="rect">
+            <a:avLst/>
+          </a:prstGeom>
+          <a:noFill/>
+          <a:extLst>
+            <a:ext uri="{909E8E84-426E-40DD-AFC4-6F175D3DCCD1}">
+              <a14:hiddenFill xmlns:a14="http://schemas.microsoft.com/office/drawing/2010/main">
+                <a:solidFill>
+                  <a:srgbClr val="FFFFFF"/>
+                </a:solidFill>
+              </a14:hiddenFill>
+            </a:ext>
+          </a:extLst>
+        </p:spPr>
+      </p:pic>
+      <p:sp>
+        <p:nvSpPr>
+          <p:cNvPr id="19" name="TextBox 18"/>
+          <p:cNvSpPr txBox="1"/>
+          <p:nvPr/>
+        </p:nvSpPr>
+        <p:spPr>
+          <a:xfrm>
+            <a:off x="9062979" y="5665766"/>
+            <a:ext cx="2245153" cy="738664"/>
+          </a:xfrm>
+          <a:prstGeom prst="rect">
+            <a:avLst/>
+          </a:prstGeom>
+          <a:noFill/>
+        </p:spPr>
+        <p:txBody>
+          <a:bodyPr wrap="square" rtlCol="0">
+            <a:spAutoFit/>
+          </a:bodyPr>
+          <a:lstStyle/>
+          <a:p>
+            <a:r>
+              <a:rPr lang="en-US" altLang="ko-KR" sz="2100" dirty="0" smtClean="0">
+                <a:solidFill>
+                  <a:schemeClr val="bg1"/>
+                </a:solidFill>
+                <a:latin typeface="Meiryo" panose="020B0604030504040204" pitchFamily="34" charset="-128"/>
+                <a:cs typeface="Meiryo" panose="020B0604030504040204" pitchFamily="34" charset="-128"/>
+              </a:rPr>
+              <a:t>Extended </a:t>
+            </a:r>
+            <a:r>
+              <a:rPr lang="en-US" altLang="ko-KR" sz="2100" dirty="0" err="1" smtClean="0">
+                <a:solidFill>
+                  <a:schemeClr val="bg1"/>
+                </a:solidFill>
+                <a:latin typeface="Meiryo" panose="020B0604030504040204" pitchFamily="34" charset="-128"/>
+                <a:cs typeface="Meiryo" panose="020B0604030504040204" pitchFamily="34" charset="-128"/>
+              </a:rPr>
+              <a:t>Kalman</a:t>
+            </a:r>
+            <a:r>
+              <a:rPr lang="en-US" altLang="ko-KR" sz="2100" dirty="0" smtClean="0">
+                <a:solidFill>
+                  <a:schemeClr val="bg1"/>
+                </a:solidFill>
+                <a:latin typeface="Meiryo" panose="020B0604030504040204" pitchFamily="34" charset="-128"/>
+                <a:cs typeface="Meiryo" panose="020B0604030504040204" pitchFamily="34" charset="-128"/>
+              </a:rPr>
+              <a:t> Filter</a:t>
+            </a:r>
+            <a:endParaRPr lang="ko-KR" altLang="en-US" sz="2100" dirty="0">
+              <a:solidFill>
+                <a:schemeClr val="bg1"/>
+              </a:solidFill>
+              <a:latin typeface="Meiryo" panose="020B0604030504040204" pitchFamily="34" charset="-128"/>
+              <a:cs typeface="Meiryo" panose="020B0604030504040204" pitchFamily="34" charset="-128"/>
+            </a:endParaRPr>
+          </a:p>
+        </p:txBody>
+      </p:sp>
+      <p:pic>
+        <p:nvPicPr>
+          <p:cNvPr id="20" name="그림 19"/>
+          <p:cNvPicPr>
+            <a:picLocks noChangeAspect="1"/>
+          </p:cNvPicPr>
+          <p:nvPr/>
+        </p:nvPicPr>
+        <p:blipFill>
+          <a:blip r:embed="rId5" cstate="print">
+            <a:extLst>
+              <a:ext uri="{28A0092B-C50C-407E-A947-70E740481C1C}">
+                <a14:useLocalDpi xmlns:a14="http://schemas.microsoft.com/office/drawing/2010/main" val="0"/>
+              </a:ext>
+            </a:extLst>
+          </a:blip>
+          <a:stretch>
+            <a:fillRect/>
+          </a:stretch>
+        </p:blipFill>
+        <p:spPr>
+          <a:xfrm>
+            <a:off x="6011148" y="3322756"/>
+            <a:ext cx="2349401" cy="825961"/>
+          </a:xfrm>
+          <a:prstGeom prst="rect">
+            <a:avLst/>
+          </a:prstGeom>
+        </p:spPr>
+      </p:pic>
+      <p:pic>
+        <p:nvPicPr>
+          <p:cNvPr id="21" name="그림 20"/>
+          <p:cNvPicPr>
+            <a:picLocks noChangeAspect="1"/>
+          </p:cNvPicPr>
+          <p:nvPr/>
+        </p:nvPicPr>
+        <p:blipFill>
+          <a:blip r:embed="rId6"/>
+          <a:stretch>
+            <a:fillRect/>
+          </a:stretch>
+        </p:blipFill>
+        <p:spPr>
+          <a:xfrm>
+            <a:off x="8661157" y="2561220"/>
+            <a:ext cx="3041784" cy="2397641"/>
+          </a:xfrm>
+          <a:prstGeom prst="rect">
+            <a:avLst/>
+          </a:prstGeom>
+        </p:spPr>
+      </p:pic>
+    </p:spTree>
+    <p:extLst>
+      <p:ext uri="{BB962C8B-B14F-4D97-AF65-F5344CB8AC3E}">
+        <p14:creationId xmlns:p14="http://schemas.microsoft.com/office/powerpoint/2010/main" val="3710600218"/>
+      </p:ext>
+    </p:extLst>
+  </p:cSld>
+  <p:clrMapOvr>
+    <a:masterClrMapping/>
+  </p:clrMapOvr>
+  <p:timing>
+    <p:tnLst>
+      <p:par>
+        <p:cTn id="1" dur="indefinite" restart="never" nodeType="tmRoot">
+          <p:childTnLst>
+            <p:seq concurrent="1" nextAc="seek">
+              <p:cTn id="2" dur="indefinite" nodeType="mainSeq">
+                <p:childTnLst>
+                  <p:par>
+                    <p:cTn id="3" fill="hold">
+                      <p:stCondLst>
+                        <p:cond delay="indefinite"/>
+                      </p:stCondLst>
+                      <p:childTnLst>
+                        <p:par>
+                          <p:cTn id="4" fill="hold">
+                            <p:stCondLst>
+                              <p:cond delay="0"/>
+                            </p:stCondLst>
+                            <p:childTnLst>
+                              <p:par>
+                                <p:cTn id="5" presetID="10" presetClass="entr" presetSubtype="0" fill="hold" nodeType="clickEffect">
+                                  <p:stCondLst>
+                                    <p:cond delay="0"/>
+                                  </p:stCondLst>
+                                  <p:childTnLst>
+                                    <p:set>
+                                      <p:cBhvr>
+                                        <p:cTn id="6" dur="1" fill="hold">
+                                          <p:stCondLst>
+                                            <p:cond delay="0"/>
+                                          </p:stCondLst>
+                                        </p:cTn>
+                                        <p:tgtEl>
+                                          <p:spTgt spid="16"/>
+                                        </p:tgtEl>
+                                        <p:attrNameLst>
+                                          <p:attrName>style.visibility</p:attrName>
+                                        </p:attrNameLst>
+                                      </p:cBhvr>
+                                      <p:to>
+                                        <p:strVal val="visible"/>
+                                      </p:to>
+                                    </p:set>
+                                    <p:animEffect transition="in" filter="fade">
+                                      <p:cBhvr>
+                                        <p:cTn id="7" dur="500"/>
+                                        <p:tgtEl>
+                                          <p:spTgt spid="16"/>
+                                        </p:tgtEl>
+                                      </p:cBhvr>
+                                    </p:animEffect>
+                                  </p:childTnLst>
+                                </p:cTn>
+                              </p:par>
+                              <p:par>
+                                <p:cTn id="8" presetID="10" presetClass="entr" presetSubtype="0" fill="hold" grpId="0" nodeType="withEffect">
+                                  <p:stCondLst>
+                                    <p:cond delay="0"/>
+                                  </p:stCondLst>
+                                  <p:childTnLst>
+                                    <p:set>
+                                      <p:cBhvr>
+                                        <p:cTn id="9" dur="1" fill="hold">
+                                          <p:stCondLst>
+                                            <p:cond delay="0"/>
+                                          </p:stCondLst>
+                                        </p:cTn>
+                                        <p:tgtEl>
+                                          <p:spTgt spid="13"/>
+                                        </p:tgtEl>
+                                        <p:attrNameLst>
+                                          <p:attrName>style.visibility</p:attrName>
+                                        </p:attrNameLst>
+                                      </p:cBhvr>
+                                      <p:to>
+                                        <p:strVal val="visible"/>
+                                      </p:to>
+                                    </p:set>
+                                    <p:animEffect transition="in" filter="fade">
+                                      <p:cBhvr>
+                                        <p:cTn id="10" dur="500"/>
+                                        <p:tgtEl>
+                                          <p:spTgt spid="13"/>
+                                        </p:tgtEl>
+                                      </p:cBhvr>
+                                    </p:animEffect>
+                                  </p:childTnLst>
+                                </p:cTn>
+                              </p:par>
+                            </p:childTnLst>
+                          </p:cTn>
+                        </p:par>
+                      </p:childTnLst>
+                    </p:cTn>
+                  </p:par>
+                  <p:par>
+                    <p:cTn id="11" fill="hold">
+                      <p:stCondLst>
+                        <p:cond delay="indefinite"/>
+                      </p:stCondLst>
+                      <p:childTnLst>
+                        <p:par>
+                          <p:cTn id="12" fill="hold">
+                            <p:stCondLst>
+                              <p:cond delay="0"/>
+                            </p:stCondLst>
+                            <p:childTnLst>
+                              <p:par>
+                                <p:cTn id="13" presetID="10" presetClass="entr" presetSubtype="0" fill="hold" nodeType="clickEffect">
+                                  <p:stCondLst>
+                                    <p:cond delay="0"/>
+                                  </p:stCondLst>
+                                  <p:childTnLst>
+                                    <p:set>
+                                      <p:cBhvr>
+                                        <p:cTn id="14" dur="1" fill="hold">
+                                          <p:stCondLst>
+                                            <p:cond delay="0"/>
+                                          </p:stCondLst>
+                                        </p:cTn>
+                                        <p:tgtEl>
+                                          <p:spTgt spid="17"/>
+                                        </p:tgtEl>
+                                        <p:attrNameLst>
+                                          <p:attrName>style.visibility</p:attrName>
+                                        </p:attrNameLst>
+                                      </p:cBhvr>
+                                      <p:to>
+                                        <p:strVal val="visible"/>
+                                      </p:to>
+                                    </p:set>
+                                    <p:animEffect transition="in" filter="fade">
+                                      <p:cBhvr>
+                                        <p:cTn id="15" dur="500"/>
+                                        <p:tgtEl>
+                                          <p:spTgt spid="17"/>
+                                        </p:tgtEl>
+                                      </p:cBhvr>
+                                    </p:animEffect>
+                                  </p:childTnLst>
+                                </p:cTn>
+                              </p:par>
+                            </p:childTnLst>
+                          </p:cTn>
+                        </p:par>
+                      </p:childTnLst>
+                    </p:cTn>
+                  </p:par>
+                  <p:par>
+                    <p:cTn id="16" fill="hold">
+                      <p:stCondLst>
+                        <p:cond delay="indefinite"/>
+                      </p:stCondLst>
+                      <p:childTnLst>
+                        <p:par>
+                          <p:cTn id="17" fill="hold">
+                            <p:stCondLst>
+                              <p:cond delay="0"/>
+                            </p:stCondLst>
+                            <p:childTnLst>
+                              <p:par>
+                                <p:cTn id="18" presetID="10" presetClass="entr" presetSubtype="0" fill="hold" nodeType="clickEffect">
+                                  <p:stCondLst>
+                                    <p:cond delay="0"/>
+                                  </p:stCondLst>
+                                  <p:childTnLst>
+                                    <p:set>
+                                      <p:cBhvr>
+                                        <p:cTn id="19" dur="1" fill="hold">
+                                          <p:stCondLst>
+                                            <p:cond delay="0"/>
+                                          </p:stCondLst>
+                                        </p:cTn>
+                                        <p:tgtEl>
+                                          <p:spTgt spid="18"/>
+                                        </p:tgtEl>
+                                        <p:attrNameLst>
+                                          <p:attrName>style.visibility</p:attrName>
+                                        </p:attrNameLst>
+                                      </p:cBhvr>
+                                      <p:to>
+                                        <p:strVal val="visible"/>
+                                      </p:to>
+                                    </p:set>
+                                    <p:animEffect transition="in" filter="fade">
+                                      <p:cBhvr>
+                                        <p:cTn id="20" dur="500"/>
+                                        <p:tgtEl>
+                                          <p:spTgt spid="18"/>
+                                        </p:tgtEl>
+                                      </p:cBhvr>
+                                    </p:animEffect>
+                                  </p:childTnLst>
+                                </p:cTn>
+                              </p:par>
+                              <p:par>
+                                <p:cTn id="21" presetID="10" presetClass="entr" presetSubtype="0" fill="hold" grpId="0" nodeType="withEffect">
+                                  <p:stCondLst>
+                                    <p:cond delay="0"/>
+                                  </p:stCondLst>
+                                  <p:childTnLst>
+                                    <p:set>
+                                      <p:cBhvr>
+                                        <p:cTn id="22" dur="1" fill="hold">
+                                          <p:stCondLst>
+                                            <p:cond delay="0"/>
+                                          </p:stCondLst>
+                                        </p:cTn>
+                                        <p:tgtEl>
+                                          <p:spTgt spid="15"/>
+                                        </p:tgtEl>
+                                        <p:attrNameLst>
+                                          <p:attrName>style.visibility</p:attrName>
+                                        </p:attrNameLst>
+                                      </p:cBhvr>
+                                      <p:to>
+                                        <p:strVal val="visible"/>
+                                      </p:to>
+                                    </p:set>
+                                    <p:animEffect transition="in" filter="fade">
+                                      <p:cBhvr>
+                                        <p:cTn id="23" dur="500"/>
+                                        <p:tgtEl>
+                                          <p:spTgt spid="15"/>
+                                        </p:tgtEl>
+                                      </p:cBhvr>
+                                    </p:animEffect>
+                                  </p:childTnLst>
+                                </p:cTn>
+                              </p:par>
+                            </p:childTnLst>
+                          </p:cTn>
+                        </p:par>
+                      </p:childTnLst>
+                    </p:cTn>
+                  </p:par>
+                  <p:par>
+                    <p:cTn id="24" fill="hold">
+                      <p:stCondLst>
+                        <p:cond delay="indefinite"/>
+                      </p:stCondLst>
+                      <p:childTnLst>
+                        <p:par>
+                          <p:cTn id="25" fill="hold">
+                            <p:stCondLst>
+                              <p:cond delay="0"/>
+                            </p:stCondLst>
+                            <p:childTnLst>
+                              <p:par>
+                                <p:cTn id="26" presetID="10" presetClass="entr" presetSubtype="0" fill="hold" nodeType="clickEffect">
+                                  <p:stCondLst>
+                                    <p:cond delay="0"/>
+                                  </p:stCondLst>
+                                  <p:childTnLst>
+                                    <p:set>
+                                      <p:cBhvr>
+                                        <p:cTn id="27" dur="1" fill="hold">
+                                          <p:stCondLst>
+                                            <p:cond delay="0"/>
+                                          </p:stCondLst>
+                                        </p:cTn>
+                                        <p:tgtEl>
+                                          <p:spTgt spid="20"/>
+                                        </p:tgtEl>
+                                        <p:attrNameLst>
+                                          <p:attrName>style.visibility</p:attrName>
+                                        </p:attrNameLst>
+                                      </p:cBhvr>
+                                      <p:to>
+                                        <p:strVal val="visible"/>
+                                      </p:to>
+                                    </p:set>
+                                    <p:animEffect transition="in" filter="fade">
+                                      <p:cBhvr>
+                                        <p:cTn id="28" dur="500"/>
+                                        <p:tgtEl>
+                                          <p:spTgt spid="20"/>
+                                        </p:tgtEl>
+                                      </p:cBhvr>
+                                    </p:animEffect>
+                                  </p:childTnLst>
+                                </p:cTn>
+                              </p:par>
+                              <p:par>
+                                <p:cTn id="29" presetID="10" presetClass="entr" presetSubtype="0" fill="hold" grpId="0" nodeType="withEffect">
+                                  <p:stCondLst>
+                                    <p:cond delay="0"/>
+                                  </p:stCondLst>
+                                  <p:childTnLst>
+                                    <p:set>
+                                      <p:cBhvr>
+                                        <p:cTn id="30" dur="1" fill="hold">
+                                          <p:stCondLst>
+                                            <p:cond delay="0"/>
+                                          </p:stCondLst>
+                                        </p:cTn>
+                                        <p:tgtEl>
+                                          <p:spTgt spid="14"/>
+                                        </p:tgtEl>
+                                        <p:attrNameLst>
+                                          <p:attrName>style.visibility</p:attrName>
+                                        </p:attrNameLst>
+                                      </p:cBhvr>
+                                      <p:to>
+                                        <p:strVal val="visible"/>
+                                      </p:to>
+                                    </p:set>
+                                    <p:animEffect transition="in" filter="fade">
+                                      <p:cBhvr>
+                                        <p:cTn id="31" dur="500"/>
+                                        <p:tgtEl>
+                                          <p:spTgt spid="14"/>
+                                        </p:tgtEl>
+                                      </p:cBhvr>
+                                    </p:animEffect>
+                                  </p:childTnLst>
+                                </p:cTn>
+                              </p:par>
+                            </p:childTnLst>
+                          </p:cTn>
+                        </p:par>
+                      </p:childTnLst>
+                    </p:cTn>
+                  </p:par>
+                  <p:par>
+                    <p:cTn id="32" fill="hold">
+                      <p:stCondLst>
+                        <p:cond delay="indefinite"/>
+                      </p:stCondLst>
+                      <p:childTnLst>
+                        <p:par>
+                          <p:cTn id="33" fill="hold">
+                            <p:stCondLst>
+                              <p:cond delay="0"/>
+                            </p:stCondLst>
+                            <p:childTnLst>
+                              <p:par>
+                                <p:cTn id="34" presetID="10" presetClass="entr" presetSubtype="0" fill="hold" nodeType="clickEffect">
+                                  <p:stCondLst>
+                                    <p:cond delay="0"/>
+                                  </p:stCondLst>
+                                  <p:childTnLst>
+                                    <p:set>
+                                      <p:cBhvr>
+                                        <p:cTn id="35" dur="1" fill="hold">
+                                          <p:stCondLst>
+                                            <p:cond delay="0"/>
+                                          </p:stCondLst>
+                                        </p:cTn>
+                                        <p:tgtEl>
+                                          <p:spTgt spid="21"/>
+                                        </p:tgtEl>
+                                        <p:attrNameLst>
+                                          <p:attrName>style.visibility</p:attrName>
+                                        </p:attrNameLst>
+                                      </p:cBhvr>
+                                      <p:to>
+                                        <p:strVal val="visible"/>
+                                      </p:to>
+                                    </p:set>
+                                    <p:animEffect transition="in" filter="fade">
+                                      <p:cBhvr>
+                                        <p:cTn id="36" dur="500"/>
+                                        <p:tgtEl>
+                                          <p:spTgt spid="21"/>
+                                        </p:tgtEl>
+                                      </p:cBhvr>
+                                    </p:animEffect>
+                                  </p:childTnLst>
+                                </p:cTn>
+                              </p:par>
+                              <p:par>
+                                <p:cTn id="37" presetID="10" presetClass="entr" presetSubtype="0" fill="hold" grpId="0" nodeType="withEffect">
+                                  <p:stCondLst>
+                                    <p:cond delay="0"/>
+                                  </p:stCondLst>
+                                  <p:childTnLst>
+                                    <p:set>
+                                      <p:cBhvr>
+                                        <p:cTn id="38" dur="1" fill="hold">
+                                          <p:stCondLst>
+                                            <p:cond delay="0"/>
+                                          </p:stCondLst>
+                                        </p:cTn>
+                                        <p:tgtEl>
+                                          <p:spTgt spid="19"/>
+                                        </p:tgtEl>
+                                        <p:attrNameLst>
+                                          <p:attrName>style.visibility</p:attrName>
+                                        </p:attrNameLst>
+                                      </p:cBhvr>
+                                      <p:to>
+                                        <p:strVal val="visible"/>
+                                      </p:to>
+                                    </p:set>
+                                    <p:animEffect transition="in" filter="fade">
+                                      <p:cBhvr>
+                                        <p:cTn id="39" dur="500"/>
+                                        <p:tgtEl>
+                                          <p:spTgt spid="19"/>
+                                        </p:tgtEl>
+                                      </p:cBhvr>
+                                    </p:animEffect>
+                                  </p:childTnLst>
+                                </p:cTn>
+                              </p:par>
+                            </p:childTnLst>
+                          </p:cTn>
+                        </p:par>
+                      </p:childTnLst>
+                    </p:cTn>
+                  </p:par>
+                </p:childTnLst>
+              </p:cTn>
+              <p:prevCondLst>
+                <p:cond evt="onPrev" delay="0">
+                  <p:tgtEl>
+                    <p:sldTgt/>
+                  </p:tgtEl>
+                </p:cond>
+              </p:prevCondLst>
+              <p:nextCondLst>
+                <p:cond evt="onNext" delay="0">
+                  <p:tgtEl>
+                    <p:sldTgt/>
+                  </p:tgtEl>
+                </p:cond>
+              </p:nextCondLst>
+            </p:seq>
+          </p:childTnLst>
+        </p:cTn>
+      </p:par>
+    </p:tnLst>
+    <p:bldLst>
+      <p:bldP spid="13" grpId="0"/>
+      <p:bldP spid="14" grpId="0"/>
+      <p:bldP spid="15" grpId="0"/>
+      <p:bldP spid="19" grpId="0"/>
+    </p:bldLst>
+  </p:timing>
+</p:sld>
+</file>
+
+<file path=ppt/slides/slide13.xml><?xml version="1.0" encoding="utf-8"?>
+<p:sld xmlns:a="http://schemas.openxmlformats.org/drawingml/2006/main" xmlns:r="http://schemas.openxmlformats.org/officeDocument/2006/relationships" xmlns:p="http://schemas.openxmlformats.org/presentationml/2006/main">
+  <p:cSld>
+    <p:bg>
+      <p:bgPr>
+        <a:solidFill>
+          <a:srgbClr val="222222"/>
+        </a:solidFill>
+        <a:effectLst/>
+      </p:bgPr>
+    </p:bg>
+    <p:spTree>
+      <p:nvGrpSpPr>
+        <p:cNvPr id="1" name=""/>
+        <p:cNvGrpSpPr/>
+        <p:nvPr/>
+      </p:nvGrpSpPr>
+      <p:grpSpPr>
+        <a:xfrm>
+          <a:off x="0" y="0"/>
+          <a:ext cx="0" cy="0"/>
+          <a:chOff x="0" y="0"/>
+          <a:chExt cx="0" cy="0"/>
+        </a:xfrm>
+      </p:grpSpPr>
+      <p:sp>
+        <p:nvSpPr>
+          <p:cNvPr id="2240" name="이등변 삼각형 2239"/>
+          <p:cNvSpPr/>
+          <p:nvPr/>
+        </p:nvSpPr>
+        <p:spPr>
+          <a:xfrm>
+            <a:off x="6011148" y="100484"/>
+            <a:ext cx="1203569" cy="954593"/>
+          </a:xfrm>
+          <a:prstGeom prst="triangle">
+            <a:avLst/>
+          </a:prstGeom>
+          <a:solidFill>
+            <a:srgbClr val="222222"/>
+          </a:solidFill>
+          <a:ln>
+            <a:noFill/>
+          </a:ln>
+          <a:effectLst>
+            <a:outerShdw blurRad="50800" dist="38100" dir="18900000" algn="bl" rotWithShape="0">
+              <a:prstClr val="black">
+                <a:alpha val="40000"/>
+              </a:prstClr>
+            </a:outerShdw>
+          </a:effectLst>
+        </p:spPr>
+        <p:style>
+          <a:lnRef idx="2">
+            <a:schemeClr val="accent1">
+              <a:shade val="50000"/>
+            </a:schemeClr>
+          </a:lnRef>
+          <a:fillRef idx="1">
+            <a:schemeClr val="accent1"/>
+          </a:fillRef>
+          <a:effectRef idx="0">
+            <a:schemeClr val="accent1"/>
+          </a:effectRef>
+          <a:fontRef idx="minor">
+            <a:schemeClr val="lt1"/>
+          </a:fontRef>
+        </p:style>
+        <p:txBody>
+          <a:bodyPr rtlCol="0" anchor="ctr"/>
+          <a:lstStyle/>
+          <a:p>
+            <a:pPr algn="ctr"/>
+            <a:endParaRPr lang="ko-KR" altLang="en-US"/>
+          </a:p>
+        </p:txBody>
+      </p:sp>
+      <p:sp>
+        <p:nvSpPr>
+          <p:cNvPr id="1302" name="자유형 1301"/>
+          <p:cNvSpPr/>
+          <p:nvPr/>
+        </p:nvSpPr>
+        <p:spPr>
+          <a:xfrm>
+            <a:off x="0" y="0"/>
+            <a:ext cx="6794939" cy="1055077"/>
+          </a:xfrm>
+          <a:custGeom>
+            <a:avLst/>
+            <a:gdLst>
+              <a:gd name="connsiteX0" fmla="*/ 0 w 6794939"/>
+              <a:gd name="connsiteY0" fmla="*/ 0 h 1198179"/>
+              <a:gd name="connsiteX1" fmla="*/ 299546 w 6794939"/>
+              <a:gd name="connsiteY1" fmla="*/ 0 h 1198179"/>
+              <a:gd name="connsiteX2" fmla="*/ 1418897 w 6794939"/>
+              <a:gd name="connsiteY2" fmla="*/ 0 h 1198179"/>
+              <a:gd name="connsiteX3" fmla="*/ 6794939 w 6794939"/>
+              <a:gd name="connsiteY3" fmla="*/ 0 h 1198179"/>
+              <a:gd name="connsiteX4" fmla="*/ 6495394 w 6794939"/>
+              <a:gd name="connsiteY4" fmla="*/ 1198179 h 1198179"/>
+              <a:gd name="connsiteX5" fmla="*/ 1418897 w 6794939"/>
+              <a:gd name="connsiteY5" fmla="*/ 1198179 h 1198179"/>
+              <a:gd name="connsiteX6" fmla="*/ 1 w 6794939"/>
+              <a:gd name="connsiteY6" fmla="*/ 1198179 h 1198179"/>
+              <a:gd name="connsiteX7" fmla="*/ 0 w 6794939"/>
+              <a:gd name="connsiteY7" fmla="*/ 1198179 h 1198179"/>
+              <a:gd name="connsiteX0" fmla="*/ 0 w 6794939"/>
+              <a:gd name="connsiteY0" fmla="*/ 0 h 1213945"/>
+              <a:gd name="connsiteX1" fmla="*/ 299546 w 6794939"/>
+              <a:gd name="connsiteY1" fmla="*/ 0 h 1213945"/>
+              <a:gd name="connsiteX2" fmla="*/ 1418897 w 6794939"/>
+              <a:gd name="connsiteY2" fmla="*/ 0 h 1213945"/>
+              <a:gd name="connsiteX3" fmla="*/ 6794939 w 6794939"/>
+              <a:gd name="connsiteY3" fmla="*/ 0 h 1213945"/>
+              <a:gd name="connsiteX4" fmla="*/ 5990898 w 6794939"/>
+              <a:gd name="connsiteY4" fmla="*/ 1213945 h 1213945"/>
+              <a:gd name="connsiteX5" fmla="*/ 1418897 w 6794939"/>
+              <a:gd name="connsiteY5" fmla="*/ 1198179 h 1213945"/>
+              <a:gd name="connsiteX6" fmla="*/ 1 w 6794939"/>
+              <a:gd name="connsiteY6" fmla="*/ 1198179 h 1213945"/>
+              <a:gd name="connsiteX7" fmla="*/ 0 w 6794939"/>
+              <a:gd name="connsiteY7" fmla="*/ 1198179 h 1213945"/>
+              <a:gd name="connsiteX8" fmla="*/ 0 w 6794939"/>
+              <a:gd name="connsiteY8" fmla="*/ 0 h 1213945"/>
+            </a:gdLst>
+            <a:ahLst/>
+            <a:cxnLst>
+              <a:cxn ang="0">
+                <a:pos x="connsiteX0" y="connsiteY0"/>
+              </a:cxn>
+              <a:cxn ang="0">
+                <a:pos x="connsiteX1" y="connsiteY1"/>
+              </a:cxn>
+              <a:cxn ang="0">
+                <a:pos x="connsiteX2" y="connsiteY2"/>
+              </a:cxn>
+              <a:cxn ang="0">
+                <a:pos x="connsiteX3" y="connsiteY3"/>
+              </a:cxn>
+              <a:cxn ang="0">
+                <a:pos x="connsiteX4" y="connsiteY4"/>
+              </a:cxn>
+              <a:cxn ang="0">
+                <a:pos x="connsiteX5" y="connsiteY5"/>
+              </a:cxn>
+              <a:cxn ang="0">
+                <a:pos x="connsiteX6" y="connsiteY6"/>
+              </a:cxn>
+              <a:cxn ang="0">
+                <a:pos x="connsiteX7" y="connsiteY7"/>
+              </a:cxn>
+              <a:cxn ang="0">
+                <a:pos x="connsiteX8" y="connsiteY8"/>
+              </a:cxn>
+            </a:cxnLst>
+            <a:rect l="l" t="t" r="r" b="b"/>
+            <a:pathLst>
+              <a:path w="6794939" h="1213945">
+                <a:moveTo>
+                  <a:pt x="0" y="0"/>
+                </a:moveTo>
+                <a:lnTo>
+                  <a:pt x="299546" y="0"/>
+                </a:lnTo>
+                <a:lnTo>
+                  <a:pt x="1418897" y="0"/>
+                </a:lnTo>
+                <a:lnTo>
+                  <a:pt x="6794939" y="0"/>
+                </a:lnTo>
+                <a:lnTo>
+                  <a:pt x="5990898" y="1213945"/>
+                </a:lnTo>
+                <a:lnTo>
+                  <a:pt x="1418897" y="1198179"/>
+                </a:lnTo>
+                <a:lnTo>
+                  <a:pt x="1" y="1198179"/>
+                </a:lnTo>
+                <a:lnTo>
+                  <a:pt x="0" y="1198179"/>
+                </a:lnTo>
+                <a:lnTo>
+                  <a:pt x="0" y="0"/>
+                </a:lnTo>
+                <a:close/>
+              </a:path>
+            </a:pathLst>
+          </a:custGeom>
+          <a:solidFill>
+            <a:schemeClr val="accent1">
+              <a:lumMod val="50000"/>
+            </a:schemeClr>
+          </a:solidFill>
+          <a:ln>
+            <a:noFill/>
+          </a:ln>
+          <a:effectLst>
+            <a:outerShdw blurRad="50800" dist="38100" dir="2700000" algn="tl" rotWithShape="0">
+              <a:prstClr val="black">
+                <a:alpha val="40000"/>
+              </a:prstClr>
+            </a:outerShdw>
+          </a:effectLst>
+        </p:spPr>
+        <p:style>
+          <a:lnRef idx="2">
+            <a:schemeClr val="accent1">
+              <a:shade val="50000"/>
+            </a:schemeClr>
+          </a:lnRef>
+          <a:fillRef idx="1">
+            <a:schemeClr val="accent1"/>
+          </a:fillRef>
+          <a:effectRef idx="0">
+            <a:schemeClr val="accent1"/>
+          </a:effectRef>
+          <a:fontRef idx="minor">
+            <a:schemeClr val="lt1"/>
+          </a:fontRef>
+        </p:style>
+        <p:txBody>
+          <a:bodyPr rtlCol="0" anchor="ctr"/>
+          <a:lstStyle/>
+          <a:p>
+            <a:pPr algn="ctr"/>
+            <a:endParaRPr lang="ko-KR" altLang="en-US"/>
+          </a:p>
+        </p:txBody>
+      </p:sp>
+      <p:sp>
+        <p:nvSpPr>
+          <p:cNvPr id="26" name="TextBox 25"/>
+          <p:cNvSpPr txBox="1"/>
+          <p:nvPr/>
+        </p:nvSpPr>
+        <p:spPr>
+          <a:xfrm>
+            <a:off x="888557" y="265928"/>
             <a:ext cx="1463862" cy="523220"/>
           </a:xfrm>
           <a:prstGeom prst="rect">
@@ -5604,7 +6164,7 @@
 </p:sld>
 </file>
 
-<file path=ppt/slides/slide13.xml><?xml version="1.0" encoding="utf-8"?>
+<file path=ppt/slides/slide14.xml><?xml version="1.0" encoding="utf-8"?>
 <p:sld xmlns:a="http://schemas.openxmlformats.org/drawingml/2006/main" xmlns:r="http://schemas.openxmlformats.org/officeDocument/2006/relationships" xmlns:p="http://schemas.openxmlformats.org/presentationml/2006/main">
   <p:cSld>
     <p:bg>
@@ -13013,160 +13573,9 @@
           </a:p>
         </p:txBody>
       </p:sp>
-      <p:sp>
-        <p:nvSpPr>
-          <p:cNvPr id="101" name="TextBox 100"/>
-          <p:cNvSpPr txBox="1"/>
-          <p:nvPr/>
-        </p:nvSpPr>
-        <p:spPr>
-          <a:xfrm>
-            <a:off x="4459705" y="2501826"/>
-            <a:ext cx="7379368" cy="2431435"/>
-          </a:xfrm>
-          <a:prstGeom prst="rect">
-            <a:avLst/>
-          </a:prstGeom>
-          <a:noFill/>
-        </p:spPr>
-        <p:txBody>
-          <a:bodyPr wrap="square" rtlCol="0">
-            <a:spAutoFit/>
-          </a:bodyPr>
-          <a:lstStyle/>
-          <a:p>
-            <a:pPr marL="342900" indent="-342900">
-              <a:buFont typeface="Arial" panose="020B0604020202020204" pitchFamily="34" charset="0"/>
-              <a:buChar char="•"/>
-            </a:pPr>
-            <a:r>
-              <a:rPr lang="ko-KR" altLang="en-US" sz="2400" dirty="0" smtClean="0">
-                <a:solidFill>
-                  <a:schemeClr val="bg1"/>
-                </a:solidFill>
-                <a:latin typeface="Meiryo" panose="020B0604030504040204" pitchFamily="34" charset="-128"/>
-                <a:cs typeface="Meiryo" panose="020B0604030504040204" pitchFamily="34" charset="-128"/>
-              </a:rPr>
-              <a:t>핸드폰 어플리케이션을 이용한 조작</a:t>
-            </a:r>
-            <a:r>
-              <a:rPr lang="en-US" altLang="ko-KR" sz="2400" dirty="0" smtClean="0">
-                <a:solidFill>
-                  <a:schemeClr val="bg1"/>
-                </a:solidFill>
-                <a:latin typeface="Meiryo" panose="020B0604030504040204" pitchFamily="34" charset="-128"/>
-                <a:cs typeface="Meiryo" panose="020B0604030504040204" pitchFamily="34" charset="-128"/>
-              </a:rPr>
-              <a:t>, </a:t>
-            </a:r>
-            <a:r>
-              <a:rPr lang="ko-KR" altLang="en-US" sz="2400" dirty="0" smtClean="0">
-                <a:solidFill>
-                  <a:schemeClr val="bg1"/>
-                </a:solidFill>
-                <a:latin typeface="Meiryo" panose="020B0604030504040204" pitchFamily="34" charset="-128"/>
-                <a:cs typeface="Meiryo" panose="020B0604030504040204" pitchFamily="34" charset="-128"/>
-              </a:rPr>
-              <a:t>데이터 확인</a:t>
-            </a:r>
-            <a:endParaRPr lang="en-US" altLang="ko-KR" sz="2400" dirty="0" smtClean="0">
-              <a:solidFill>
-                <a:schemeClr val="bg1"/>
-              </a:solidFill>
-              <a:latin typeface="Meiryo" panose="020B0604030504040204" pitchFamily="34" charset="-128"/>
-              <a:cs typeface="Meiryo" panose="020B0604030504040204" pitchFamily="34" charset="-128"/>
-            </a:endParaRPr>
-          </a:p>
-          <a:p>
-            <a:pPr marL="342900" indent="-342900">
-              <a:buFont typeface="Arial" panose="020B0604020202020204" pitchFamily="34" charset="0"/>
-              <a:buChar char="•"/>
-            </a:pPr>
-            <a:endParaRPr lang="en-US" altLang="ko-KR" sz="2400" dirty="0">
-              <a:solidFill>
-                <a:schemeClr val="bg1"/>
-              </a:solidFill>
-              <a:latin typeface="Meiryo" panose="020B0604030504040204" pitchFamily="34" charset="-128"/>
-              <a:cs typeface="Meiryo" panose="020B0604030504040204" pitchFamily="34" charset="-128"/>
-            </a:endParaRPr>
-          </a:p>
-          <a:p>
-            <a:pPr marL="342900" indent="-342900">
-              <a:buFont typeface="Arial" panose="020B0604020202020204" pitchFamily="34" charset="0"/>
-              <a:buChar char="•"/>
-            </a:pPr>
-            <a:r>
-              <a:rPr lang="ko-KR" altLang="en-US" sz="2400" dirty="0" smtClean="0">
-                <a:solidFill>
-                  <a:schemeClr val="bg1"/>
-                </a:solidFill>
-                <a:latin typeface="Meiryo" panose="020B0604030504040204" pitchFamily="34" charset="-128"/>
-                <a:cs typeface="Meiryo" panose="020B0604030504040204" pitchFamily="34" charset="-128"/>
-              </a:rPr>
-              <a:t>레일을 위에서 운행하고 표시 할 수 있는 로봇 </a:t>
-            </a:r>
-            <a:endParaRPr lang="en-US" altLang="ko-KR" sz="2400" dirty="0" smtClean="0">
-              <a:solidFill>
-                <a:schemeClr val="bg1"/>
-              </a:solidFill>
-              <a:latin typeface="Meiryo" panose="020B0604030504040204" pitchFamily="34" charset="-128"/>
-              <a:cs typeface="Meiryo" panose="020B0604030504040204" pitchFamily="34" charset="-128"/>
-            </a:endParaRPr>
-          </a:p>
-          <a:p>
-            <a:pPr marL="342900" indent="-342900">
-              <a:buFont typeface="Arial" panose="020B0604020202020204" pitchFamily="34" charset="0"/>
-              <a:buChar char="•"/>
-            </a:pPr>
-            <a:endParaRPr lang="en-US" altLang="ko-KR" sz="2400" dirty="0">
-              <a:solidFill>
-                <a:schemeClr val="bg1"/>
-              </a:solidFill>
-              <a:latin typeface="Meiryo" panose="020B0604030504040204" pitchFamily="34" charset="-128"/>
-              <a:cs typeface="Meiryo" panose="020B0604030504040204" pitchFamily="34" charset="-128"/>
-            </a:endParaRPr>
-          </a:p>
-          <a:p>
-            <a:pPr marL="342900" indent="-342900">
-              <a:buFont typeface="Arial" panose="020B0604020202020204" pitchFamily="34" charset="0"/>
-              <a:buChar char="•"/>
-            </a:pPr>
-            <a:r>
-              <a:rPr lang="ko-KR" altLang="en-US" sz="2400" dirty="0" smtClean="0">
-                <a:solidFill>
-                  <a:schemeClr val="bg1"/>
-                </a:solidFill>
-                <a:latin typeface="Meiryo" panose="020B0604030504040204" pitchFamily="34" charset="-128"/>
-                <a:cs typeface="Meiryo" panose="020B0604030504040204" pitchFamily="34" charset="-128"/>
-              </a:rPr>
-              <a:t>적외선 온도 센서를 사용하여 레일 온도 측정</a:t>
-            </a:r>
-            <a:endParaRPr lang="en-US" altLang="ko-KR" sz="2400" dirty="0" smtClean="0">
-              <a:solidFill>
-                <a:schemeClr val="bg1"/>
-              </a:solidFill>
-              <a:latin typeface="Meiryo" panose="020B0604030504040204" pitchFamily="34" charset="-128"/>
-              <a:cs typeface="Meiryo" panose="020B0604030504040204" pitchFamily="34" charset="-128"/>
-            </a:endParaRPr>
-          </a:p>
-          <a:p>
-            <a:pPr marL="342900" indent="-342900">
-              <a:buFont typeface="Arial" panose="020B0604020202020204" pitchFamily="34" charset="0"/>
-              <a:buChar char="•"/>
-            </a:pPr>
-            <a:endParaRPr lang="en-US" altLang="ko-KR" sz="3200" dirty="0">
-              <a:solidFill>
-                <a:schemeClr val="bg1"/>
-              </a:solidFill>
-              <a:latin typeface="Meiryo" panose="020B0604030504040204" pitchFamily="34" charset="-128"/>
-              <a:cs typeface="Meiryo" panose="020B0604030504040204" pitchFamily="34" charset="-128"/>
-            </a:endParaRPr>
-          </a:p>
-        </p:txBody>
-      </p:sp>
       <p:pic>
         <p:nvPicPr>
-          <p:cNvPr id="5" name="그림 4"/>
+          <p:cNvPr id="6" name="그림 5"/>
           <p:cNvPicPr>
             <a:picLocks noChangeAspect="1"/>
           </p:cNvPicPr>
@@ -13180,8 +13589,32 @@
         </p:blipFill>
         <p:spPr>
           <a:xfrm>
-            <a:off x="888557" y="2079232"/>
-            <a:ext cx="3080084" cy="3160434"/>
+            <a:off x="236707" y="1708113"/>
+            <a:ext cx="5774441" cy="3700800"/>
+          </a:xfrm>
+          <a:prstGeom prst="rect">
+            <a:avLst/>
+          </a:prstGeom>
+        </p:spPr>
+      </p:pic>
+      <p:pic>
+        <p:nvPicPr>
+          <p:cNvPr id="7" name="그림 6"/>
+          <p:cNvPicPr>
+            <a:picLocks noChangeAspect="1"/>
+          </p:cNvPicPr>
+          <p:nvPr/>
+        </p:nvPicPr>
+        <p:blipFill>
+          <a:blip r:embed="rId3"/>
+          <a:stretch>
+            <a:fillRect/>
+          </a:stretch>
+        </p:blipFill>
+        <p:spPr>
+          <a:xfrm>
+            <a:off x="6662998" y="1708113"/>
+            <a:ext cx="5304413" cy="3700800"/>
           </a:xfrm>
           <a:prstGeom prst="rect">
             <a:avLst/>
@@ -13449,7 +13882,7 @@
         <p:spPr>
           <a:xfrm>
             <a:off x="888557" y="265928"/>
-            <a:ext cx="1580882" cy="523220"/>
+            <a:ext cx="2518638" cy="523220"/>
           </a:xfrm>
           <a:prstGeom prst="rect">
             <a:avLst/>
@@ -13470,9 +13903,29 @@
                 <a:latin typeface="KoPub돋움체 Light" panose="02020603020101020101" pitchFamily="18" charset="-127"/>
                 <a:ea typeface="KoPub돋움체 Light" panose="02020603020101020101" pitchFamily="18" charset="-127"/>
               </a:rPr>
-              <a:t>작품 설명</a:t>
-            </a:r>
-            <a:endParaRPr lang="ko-KR" altLang="en-US" sz="2800" dirty="0">
+              <a:t>시스템</a:t>
+            </a:r>
+            <a:r>
+              <a:rPr lang="en-US" altLang="ko-KR" sz="2800" dirty="0" smtClean="0">
+                <a:solidFill>
+                  <a:schemeClr val="bg1"/>
+                </a:solidFill>
+                <a:latin typeface="KoPub돋움체 Light" panose="02020603020101020101" pitchFamily="18" charset="-127"/>
+                <a:ea typeface="KoPub돋움체 Light" panose="02020603020101020101" pitchFamily="18" charset="-127"/>
+              </a:rPr>
+              <a:t> </a:t>
+            </a:r>
+            <a:r>
+              <a:rPr lang="ko-KR" altLang="en-US" sz="2800" dirty="0" smtClean="0">
+                <a:solidFill>
+                  <a:schemeClr val="bg1"/>
+                </a:solidFill>
+                <a:latin typeface="KoPub돋움체 Light" panose="02020603020101020101" pitchFamily="18" charset="-127"/>
+                <a:ea typeface="KoPub돋움체 Light" panose="02020603020101020101" pitchFamily="18" charset="-127"/>
+              </a:rPr>
+              <a:t>구성도</a:t>
+            </a:r>
+            <a:endParaRPr lang="en-US" altLang="ko-KR" sz="2800" dirty="0">
               <a:solidFill>
                 <a:schemeClr val="bg1"/>
               </a:solidFill>
@@ -13482,275 +13935,229 @@
           </a:p>
         </p:txBody>
       </p:sp>
+      <p:sp>
+        <p:nvSpPr>
+          <p:cNvPr id="2" name="Rectangle 2"/>
+          <p:cNvSpPr>
+            <a:spLocks noChangeArrowheads="1"/>
+          </p:cNvSpPr>
+          <p:nvPr/>
+        </p:nvSpPr>
+        <p:spPr bwMode="auto">
+          <a:xfrm>
+            <a:off x="888557" y="1250913"/>
+            <a:ext cx="12192000" cy="457200"/>
+          </a:xfrm>
+          <a:prstGeom prst="rect">
+            <a:avLst/>
+          </a:prstGeom>
+          <a:noFill/>
+          <a:ln>
+            <a:noFill/>
+          </a:ln>
+          <a:effectLst/>
+          <a:extLst>
+            <a:ext uri="{909E8E84-426E-40DD-AFC4-6F175D3DCCD1}">
+              <a14:hiddenFill xmlns:a14="http://schemas.microsoft.com/office/drawing/2010/main">
+                <a:solidFill>
+                  <a:schemeClr val="accent1"/>
+                </a:solidFill>
+              </a14:hiddenFill>
+            </a:ext>
+            <a:ext uri="{91240B29-F687-4F45-9708-019B960494DF}">
+              <a14:hiddenLine xmlns:a14="http://schemas.microsoft.com/office/drawing/2010/main" w="9525">
+                <a:solidFill>
+                  <a:schemeClr val="tx1"/>
+                </a:solidFill>
+                <a:miter lim="800000"/>
+                <a:headEnd/>
+                <a:tailEnd/>
+              </a14:hiddenLine>
+            </a:ext>
+            <a:ext uri="{AF507438-7753-43E0-B8FC-AC1667EBCBE1}">
+              <a14:hiddenEffects xmlns:a14="http://schemas.microsoft.com/office/drawing/2010/main">
+                <a:effectLst>
+                  <a:outerShdw dist="35921" dir="2700000" algn="ctr" rotWithShape="0">
+                    <a:schemeClr val="bg2"/>
+                  </a:outerShdw>
+                </a:effectLst>
+              </a14:hiddenEffects>
+            </a:ext>
+          </a:extLst>
+        </p:spPr>
+        <p:txBody>
+          <a:bodyPr vert="horz" wrap="none" lIns="91440" tIns="45720" rIns="91440" bIns="45720" numCol="1" anchor="ctr" anchorCtr="0" compatLnSpc="1">
+            <a:prstTxWarp prst="textNoShape">
+              <a:avLst/>
+            </a:prstTxWarp>
+            <a:spAutoFit/>
+          </a:bodyPr>
+          <a:lstStyle/>
+          <a:p>
+            <a:endParaRPr lang="ko-KR" altLang="en-US"/>
+          </a:p>
+        </p:txBody>
+      </p:sp>
+      <p:sp>
+        <p:nvSpPr>
+          <p:cNvPr id="3" name="Rectangle 4"/>
+          <p:cNvSpPr>
+            <a:spLocks noChangeArrowheads="1"/>
+          </p:cNvSpPr>
+          <p:nvPr/>
+        </p:nvSpPr>
+        <p:spPr bwMode="auto">
+          <a:xfrm>
+            <a:off x="5229726" y="1250913"/>
+            <a:ext cx="12192000" cy="457200"/>
+          </a:xfrm>
+          <a:prstGeom prst="rect">
+            <a:avLst/>
+          </a:prstGeom>
+          <a:noFill/>
+          <a:ln>
+            <a:noFill/>
+          </a:ln>
+          <a:effectLst/>
+          <a:extLst>
+            <a:ext uri="{909E8E84-426E-40DD-AFC4-6F175D3DCCD1}">
+              <a14:hiddenFill xmlns:a14="http://schemas.microsoft.com/office/drawing/2010/main">
+                <a:solidFill>
+                  <a:schemeClr val="accent1"/>
+                </a:solidFill>
+              </a14:hiddenFill>
+            </a:ext>
+            <a:ext uri="{91240B29-F687-4F45-9708-019B960494DF}">
+              <a14:hiddenLine xmlns:a14="http://schemas.microsoft.com/office/drawing/2010/main" w="9525">
+                <a:solidFill>
+                  <a:schemeClr val="tx1"/>
+                </a:solidFill>
+                <a:miter lim="800000"/>
+                <a:headEnd/>
+                <a:tailEnd/>
+              </a14:hiddenLine>
+            </a:ext>
+            <a:ext uri="{AF507438-7753-43E0-B8FC-AC1667EBCBE1}">
+              <a14:hiddenEffects xmlns:a14="http://schemas.microsoft.com/office/drawing/2010/main">
+                <a:effectLst>
+                  <a:outerShdw dist="35921" dir="2700000" algn="ctr" rotWithShape="0">
+                    <a:schemeClr val="bg2"/>
+                  </a:outerShdw>
+                </a:effectLst>
+              </a14:hiddenEffects>
+            </a:ext>
+          </a:extLst>
+        </p:spPr>
+        <p:txBody>
+          <a:bodyPr vert="horz" wrap="none" lIns="91440" tIns="45720" rIns="91440" bIns="45720" numCol="1" anchor="ctr" anchorCtr="0" compatLnSpc="1">
+            <a:prstTxWarp prst="textNoShape">
+              <a:avLst/>
+            </a:prstTxWarp>
+            <a:spAutoFit/>
+          </a:bodyPr>
+          <a:lstStyle/>
+          <a:p>
+            <a:endParaRPr lang="ko-KR" altLang="en-US"/>
+          </a:p>
+        </p:txBody>
+      </p:sp>
+      <p:sp>
+        <p:nvSpPr>
+          <p:cNvPr id="4" name="Rectangle 6"/>
+          <p:cNvSpPr>
+            <a:spLocks noChangeArrowheads="1"/>
+          </p:cNvSpPr>
+          <p:nvPr/>
+        </p:nvSpPr>
+        <p:spPr bwMode="auto">
+          <a:xfrm>
+            <a:off x="0" y="0"/>
+            <a:ext cx="12192000" cy="457200"/>
+          </a:xfrm>
+          <a:prstGeom prst="rect">
+            <a:avLst/>
+          </a:prstGeom>
+          <a:noFill/>
+          <a:ln>
+            <a:noFill/>
+          </a:ln>
+          <a:effectLst/>
+          <a:extLst>
+            <a:ext uri="{909E8E84-426E-40DD-AFC4-6F175D3DCCD1}">
+              <a14:hiddenFill xmlns:a14="http://schemas.microsoft.com/office/drawing/2010/main">
+                <a:solidFill>
+                  <a:schemeClr val="accent1"/>
+                </a:solidFill>
+              </a14:hiddenFill>
+            </a:ext>
+            <a:ext uri="{91240B29-F687-4F45-9708-019B960494DF}">
+              <a14:hiddenLine xmlns:a14="http://schemas.microsoft.com/office/drawing/2010/main" w="9525">
+                <a:solidFill>
+                  <a:schemeClr val="tx1"/>
+                </a:solidFill>
+                <a:miter lim="800000"/>
+                <a:headEnd/>
+                <a:tailEnd/>
+              </a14:hiddenLine>
+            </a:ext>
+            <a:ext uri="{AF507438-7753-43E0-B8FC-AC1667EBCBE1}">
+              <a14:hiddenEffects xmlns:a14="http://schemas.microsoft.com/office/drawing/2010/main">
+                <a:effectLst>
+                  <a:outerShdw dist="35921" dir="2700000" algn="ctr" rotWithShape="0">
+                    <a:schemeClr val="bg2"/>
+                  </a:outerShdw>
+                </a:effectLst>
+              </a14:hiddenEffects>
+            </a:ext>
+          </a:extLst>
+        </p:spPr>
+        <p:txBody>
+          <a:bodyPr vert="horz" wrap="none" lIns="91440" tIns="45720" rIns="91440" bIns="45720" numCol="1" anchor="ctr" anchorCtr="0" compatLnSpc="1">
+            <a:prstTxWarp prst="textNoShape">
+              <a:avLst/>
+            </a:prstTxWarp>
+            <a:spAutoFit/>
+          </a:bodyPr>
+          <a:lstStyle/>
+          <a:p>
+            <a:endParaRPr lang="ko-KR" altLang="en-US"/>
+          </a:p>
+        </p:txBody>
+      </p:sp>
       <p:pic>
         <p:nvPicPr>
-          <p:cNvPr id="3" name="그림 2"/>
+          <p:cNvPr id="5" name="그림 4"/>
           <p:cNvPicPr>
             <a:picLocks noChangeAspect="1"/>
           </p:cNvPicPr>
           <p:nvPr/>
         </p:nvPicPr>
         <p:blipFill>
-          <a:blip r:embed="rId2"/>
+          <a:blip r:embed="rId2">
+            <a:extLst>
+              <a:ext uri="{28A0092B-C50C-407E-A947-70E740481C1C}">
+                <a14:useLocalDpi xmlns:a14="http://schemas.microsoft.com/office/drawing/2010/main" val="0"/>
+              </a:ext>
+            </a:extLst>
+          </a:blip>
           <a:stretch>
             <a:fillRect/>
           </a:stretch>
         </p:blipFill>
         <p:spPr>
           <a:xfrm>
-            <a:off x="1209399" y="2171412"/>
-            <a:ext cx="2457450" cy="2867025"/>
+            <a:off x="2661552" y="1582861"/>
+            <a:ext cx="6699191" cy="4800489"/>
           </a:xfrm>
           <a:prstGeom prst="rect">
             <a:avLst/>
           </a:prstGeom>
         </p:spPr>
       </p:pic>
-      <p:pic>
-        <p:nvPicPr>
-          <p:cNvPr id="4" name="그림 3"/>
-          <p:cNvPicPr>
-            <a:picLocks noChangeAspect="1"/>
-          </p:cNvPicPr>
-          <p:nvPr/>
-        </p:nvPicPr>
-        <p:blipFill>
-          <a:blip r:embed="rId3"/>
-          <a:stretch>
-            <a:fillRect/>
-          </a:stretch>
-        </p:blipFill>
-        <p:spPr>
-          <a:xfrm>
-            <a:off x="4675522" y="2151358"/>
-            <a:ext cx="2865376" cy="2867024"/>
-          </a:xfrm>
-          <a:prstGeom prst="rect">
-            <a:avLst/>
-          </a:prstGeom>
-        </p:spPr>
-      </p:pic>
-      <p:pic>
-        <p:nvPicPr>
-          <p:cNvPr id="7" name="그림 6"/>
-          <p:cNvPicPr>
-            <a:picLocks noChangeAspect="1"/>
-          </p:cNvPicPr>
-          <p:nvPr/>
-        </p:nvPicPr>
-        <p:blipFill>
-          <a:blip r:embed="rId4"/>
-          <a:stretch>
-            <a:fillRect/>
-          </a:stretch>
-        </p:blipFill>
-        <p:spPr>
-          <a:xfrm>
-            <a:off x="8549571" y="2151357"/>
-            <a:ext cx="2840324" cy="2867025"/>
-          </a:xfrm>
-          <a:prstGeom prst="rect">
-            <a:avLst/>
-          </a:prstGeom>
-        </p:spPr>
-      </p:pic>
-      <p:sp>
-        <p:nvSpPr>
-          <p:cNvPr id="303" name="TextBox 302"/>
-          <p:cNvSpPr txBox="1"/>
-          <p:nvPr/>
-        </p:nvSpPr>
-        <p:spPr>
-          <a:xfrm>
-            <a:off x="1209399" y="1321005"/>
-            <a:ext cx="5272274" cy="415498"/>
-          </a:xfrm>
-          <a:prstGeom prst="rect">
-            <a:avLst/>
-          </a:prstGeom>
-          <a:noFill/>
-        </p:spPr>
-        <p:txBody>
-          <a:bodyPr wrap="square" rtlCol="0">
-            <a:spAutoFit/>
-          </a:bodyPr>
-          <a:lstStyle/>
-          <a:p>
-            <a:r>
-              <a:rPr lang="ko-KR" altLang="en-US" sz="2100" dirty="0" smtClean="0">
-                <a:solidFill>
-                  <a:schemeClr val="bg1"/>
-                </a:solidFill>
-                <a:latin typeface="Meiryo" panose="020B0604030504040204" pitchFamily="34" charset="-128"/>
-                <a:cs typeface="Meiryo" panose="020B0604030504040204" pitchFamily="34" charset="-128"/>
-              </a:rPr>
-              <a:t>모델링 및 부품 설명</a:t>
-            </a:r>
-            <a:r>
-              <a:rPr lang="en-US" altLang="ko-KR" sz="2100" dirty="0" smtClean="0">
-                <a:latin typeface="Meiryo" panose="020B0604030504040204" pitchFamily="34" charset="-128"/>
-                <a:ea typeface="Meiryo" panose="020B0604030504040204" pitchFamily="34" charset="-128"/>
-                <a:cs typeface="Meiryo" panose="020B0604030504040204" pitchFamily="34" charset="-128"/>
-              </a:rPr>
-              <a:t>&gt;</a:t>
-            </a:r>
-            <a:endParaRPr lang="ko-KR" altLang="en-US" sz="2100" dirty="0">
-              <a:latin typeface="Meiryo" panose="020B0604030504040204" pitchFamily="34" charset="-128"/>
-              <a:cs typeface="Meiryo" panose="020B0604030504040204" pitchFamily="34" charset="-128"/>
-            </a:endParaRPr>
-          </a:p>
-        </p:txBody>
-      </p:sp>
-      <p:sp>
-        <p:nvSpPr>
-          <p:cNvPr id="304" name="TextBox 303"/>
-          <p:cNvSpPr txBox="1"/>
-          <p:nvPr/>
-        </p:nvSpPr>
-        <p:spPr>
-          <a:xfrm>
-            <a:off x="1486739" y="5595428"/>
-            <a:ext cx="1902769" cy="415498"/>
-          </a:xfrm>
-          <a:prstGeom prst="rect">
-            <a:avLst/>
-          </a:prstGeom>
-          <a:noFill/>
-        </p:spPr>
-        <p:txBody>
-          <a:bodyPr wrap="square" rtlCol="0">
-            <a:spAutoFit/>
-          </a:bodyPr>
-          <a:lstStyle/>
-          <a:p>
-            <a:r>
-              <a:rPr lang="ko-KR" altLang="en-US" sz="2100" dirty="0" smtClean="0">
-                <a:solidFill>
-                  <a:schemeClr val="bg1"/>
-                </a:solidFill>
-                <a:latin typeface="Meiryo" panose="020B0604030504040204" pitchFamily="34" charset="-128"/>
-                <a:cs typeface="Meiryo" panose="020B0604030504040204" pitchFamily="34" charset="-128"/>
-              </a:rPr>
-              <a:t>조절장치 박스</a:t>
-            </a:r>
-            <a:endParaRPr lang="ko-KR" altLang="en-US" sz="2100" dirty="0">
-              <a:solidFill>
-                <a:schemeClr val="bg1"/>
-              </a:solidFill>
-              <a:latin typeface="Meiryo" panose="020B0604030504040204" pitchFamily="34" charset="-128"/>
-              <a:cs typeface="Meiryo" panose="020B0604030504040204" pitchFamily="34" charset="-128"/>
-            </a:endParaRPr>
-          </a:p>
-        </p:txBody>
-      </p:sp>
-      <p:sp>
-        <p:nvSpPr>
-          <p:cNvPr id="307" name="TextBox 306"/>
-          <p:cNvSpPr txBox="1"/>
-          <p:nvPr/>
-        </p:nvSpPr>
-        <p:spPr>
-          <a:xfrm>
-            <a:off x="8847156" y="5387679"/>
-            <a:ext cx="2245153" cy="415498"/>
-          </a:xfrm>
-          <a:prstGeom prst="rect">
-            <a:avLst/>
-          </a:prstGeom>
-          <a:noFill/>
-        </p:spPr>
-        <p:txBody>
-          <a:bodyPr wrap="square" rtlCol="0">
-            <a:spAutoFit/>
-          </a:bodyPr>
-          <a:lstStyle/>
-          <a:p>
-            <a:r>
-              <a:rPr lang="ko-KR" altLang="en-US" sz="2100" dirty="0" err="1" smtClean="0">
-                <a:solidFill>
-                  <a:schemeClr val="bg1"/>
-                </a:solidFill>
-                <a:latin typeface="Meiryo" panose="020B0604030504040204" pitchFamily="34" charset="-128"/>
-                <a:cs typeface="Meiryo" panose="020B0604030504040204" pitchFamily="34" charset="-128"/>
-              </a:rPr>
-              <a:t>솔레노이드</a:t>
-            </a:r>
-            <a:r>
-              <a:rPr lang="ko-KR" altLang="en-US" sz="2100" dirty="0">
-                <a:solidFill>
-                  <a:schemeClr val="bg1"/>
-                </a:solidFill>
-                <a:latin typeface="Meiryo" panose="020B0604030504040204" pitchFamily="34" charset="-128"/>
-                <a:cs typeface="Meiryo" panose="020B0604030504040204" pitchFamily="34" charset="-128"/>
-              </a:rPr>
-              <a:t> </a:t>
-            </a:r>
-            <a:r>
-              <a:rPr lang="ko-KR" altLang="en-US" sz="2100" dirty="0" smtClean="0">
-                <a:solidFill>
-                  <a:schemeClr val="bg1"/>
-                </a:solidFill>
-                <a:latin typeface="Meiryo" panose="020B0604030504040204" pitchFamily="34" charset="-128"/>
-                <a:cs typeface="Meiryo" panose="020B0604030504040204" pitchFamily="34" charset="-128"/>
-              </a:rPr>
-              <a:t>밸브</a:t>
-            </a:r>
-            <a:endParaRPr lang="ko-KR" altLang="en-US" sz="2100" dirty="0">
-              <a:solidFill>
-                <a:schemeClr val="bg1"/>
-              </a:solidFill>
-              <a:latin typeface="Meiryo" panose="020B0604030504040204" pitchFamily="34" charset="-128"/>
-              <a:cs typeface="Meiryo" panose="020B0604030504040204" pitchFamily="34" charset="-128"/>
-            </a:endParaRPr>
-          </a:p>
-        </p:txBody>
-      </p:sp>
-      <p:sp>
-        <p:nvSpPr>
-          <p:cNvPr id="308" name="TextBox 307"/>
-          <p:cNvSpPr txBox="1"/>
-          <p:nvPr/>
-        </p:nvSpPr>
-        <p:spPr>
-          <a:xfrm>
-            <a:off x="5299275" y="5595428"/>
-            <a:ext cx="1638114" cy="415498"/>
-          </a:xfrm>
-          <a:prstGeom prst="rect">
-            <a:avLst/>
-          </a:prstGeom>
-          <a:noFill/>
-        </p:spPr>
-        <p:txBody>
-          <a:bodyPr wrap="square" rtlCol="0">
-            <a:spAutoFit/>
-          </a:bodyPr>
-          <a:lstStyle/>
-          <a:p>
-            <a:r>
-              <a:rPr lang="ko-KR" altLang="en-US" sz="2100" smtClean="0">
-                <a:solidFill>
-                  <a:schemeClr val="bg1"/>
-                </a:solidFill>
-                <a:latin typeface="Meiryo" panose="020B0604030504040204" pitchFamily="34" charset="-128"/>
-                <a:cs typeface="Meiryo" panose="020B0604030504040204" pitchFamily="34" charset="-128"/>
-              </a:rPr>
-              <a:t>조절장치 바</a:t>
-            </a:r>
-            <a:endParaRPr lang="ko-KR" altLang="en-US" sz="2100" dirty="0">
-              <a:solidFill>
-                <a:schemeClr val="bg1"/>
-              </a:solidFill>
-              <a:latin typeface="Meiryo" panose="020B0604030504040204" pitchFamily="34" charset="-128"/>
-              <a:cs typeface="Meiryo" panose="020B0604030504040204" pitchFamily="34" charset="-128"/>
-            </a:endParaRPr>
-          </a:p>
-        </p:txBody>
-      </p:sp>
     </p:spTree>
     <p:extLst>
       <p:ext uri="{BB962C8B-B14F-4D97-AF65-F5344CB8AC3E}">
-        <p14:creationId xmlns:p14="http://schemas.microsoft.com/office/powerpoint/2010/main" val="827075723"/>
+        <p14:creationId xmlns:p14="http://schemas.microsoft.com/office/powerpoint/2010/main" val="723859204"/>
       </p:ext>
     </p:extLst>
   </p:cSld>

--- a/중간발표/피피티 프로토타입 (미완 월예정).pptx
+++ b/중간발표/피피티 프로토타입 (미완 월예정).pptx
@@ -14,11 +14,13 @@
     <p:sldId id="264" r:id="rId8"/>
     <p:sldId id="265" r:id="rId9"/>
     <p:sldId id="269" r:id="rId10"/>
-    <p:sldId id="261" r:id="rId11"/>
-    <p:sldId id="266" r:id="rId12"/>
-    <p:sldId id="267" r:id="rId13"/>
-    <p:sldId id="268" r:id="rId14"/>
-    <p:sldId id="262" r:id="rId15"/>
+    <p:sldId id="272" r:id="rId11"/>
+    <p:sldId id="261" r:id="rId12"/>
+    <p:sldId id="266" r:id="rId13"/>
+    <p:sldId id="271" r:id="rId14"/>
+    <p:sldId id="267" r:id="rId15"/>
+    <p:sldId id="268" r:id="rId16"/>
+    <p:sldId id="262" r:id="rId17"/>
   </p:sldIdLst>
   <p:sldSz cx="12192000" cy="6858000"/>
   <p:notesSz cx="6858000" cy="9144000"/>
@@ -119,7 +121,18 @@
   </p:defaultTextStyle>
   <p:extLst>
     <p:ext uri="{EFAFB233-063F-42B5-8137-9DF3F51BA10A}">
-      <p15:sldGuideLst xmlns:p15="http://schemas.microsoft.com/office/powerpoint/2012/main"/>
+      <p15:sldGuideLst xmlns:p15="http://schemas.microsoft.com/office/powerpoint/2012/main">
+        <p15:guide id="1" orient="horz" pos="2160">
+          <p15:clr>
+            <a:srgbClr val="A4A3A4"/>
+          </p15:clr>
+        </p15:guide>
+        <p15:guide id="2" pos="3840">
+          <p15:clr>
+            <a:srgbClr val="A4A3A4"/>
+          </p15:clr>
+        </p15:guide>
+      </p15:sldGuideLst>
     </p:ext>
   </p:extLst>
 </p:presentation>
@@ -3711,7 +3724,7 @@
         <p:spPr>
           <a:xfrm>
             <a:off x="888557" y="265928"/>
-            <a:ext cx="1580882" cy="523220"/>
+            <a:ext cx="2159566" cy="523220"/>
           </a:xfrm>
           <a:prstGeom prst="rect">
             <a:avLst/>
@@ -3732,9 +3745,9 @@
                 <a:latin typeface="KoPub돋움체 Light" panose="02020603020101020101" pitchFamily="18" charset="-127"/>
                 <a:ea typeface="KoPub돋움체 Light" panose="02020603020101020101" pitchFamily="18" charset="-127"/>
               </a:rPr>
-              <a:t>작품 설명</a:t>
-            </a:r>
-            <a:endParaRPr lang="ko-KR" altLang="en-US" sz="2800" dirty="0">
+              <a:t>요구도 수립</a:t>
+            </a:r>
+            <a:endParaRPr lang="en-US" altLang="ko-KR" sz="2800" dirty="0">
               <a:solidFill>
                 <a:schemeClr val="bg1"/>
               </a:solidFill>
@@ -3744,9 +3757,198 @@
           </a:p>
         </p:txBody>
       </p:sp>
+      <p:sp>
+        <p:nvSpPr>
+          <p:cNvPr id="2" name="Rectangle 2"/>
+          <p:cNvSpPr>
+            <a:spLocks noChangeArrowheads="1"/>
+          </p:cNvSpPr>
+          <p:nvPr/>
+        </p:nvSpPr>
+        <p:spPr bwMode="auto">
+          <a:xfrm>
+            <a:off x="888557" y="1250913"/>
+            <a:ext cx="12192000" cy="457200"/>
+          </a:xfrm>
+          <a:prstGeom prst="rect">
+            <a:avLst/>
+          </a:prstGeom>
+          <a:noFill/>
+          <a:ln>
+            <a:noFill/>
+          </a:ln>
+          <a:effectLst/>
+          <a:extLst>
+            <a:ext uri="{909E8E84-426E-40DD-AFC4-6F175D3DCCD1}">
+              <a14:hiddenFill xmlns:a14="http://schemas.microsoft.com/office/drawing/2010/main">
+                <a:solidFill>
+                  <a:schemeClr val="accent1"/>
+                </a:solidFill>
+              </a14:hiddenFill>
+            </a:ext>
+            <a:ext uri="{91240B29-F687-4F45-9708-019B960494DF}">
+              <a14:hiddenLine xmlns:a14="http://schemas.microsoft.com/office/drawing/2010/main" w="9525">
+                <a:solidFill>
+                  <a:schemeClr val="tx1"/>
+                </a:solidFill>
+                <a:miter lim="800000"/>
+                <a:headEnd/>
+                <a:tailEnd/>
+              </a14:hiddenLine>
+            </a:ext>
+            <a:ext uri="{AF507438-7753-43E0-B8FC-AC1667EBCBE1}">
+              <a14:hiddenEffects xmlns:a14="http://schemas.microsoft.com/office/drawing/2010/main">
+                <a:effectLst>
+                  <a:outerShdw dist="35921" dir="2700000" algn="ctr" rotWithShape="0">
+                    <a:schemeClr val="bg2"/>
+                  </a:outerShdw>
+                </a:effectLst>
+              </a14:hiddenEffects>
+            </a:ext>
+          </a:extLst>
+        </p:spPr>
+        <p:txBody>
+          <a:bodyPr vert="horz" wrap="none" lIns="91440" tIns="45720" rIns="91440" bIns="45720" numCol="1" anchor="ctr" anchorCtr="0" compatLnSpc="1">
+            <a:prstTxWarp prst="textNoShape">
+              <a:avLst/>
+            </a:prstTxWarp>
+            <a:spAutoFit/>
+          </a:bodyPr>
+          <a:lstStyle/>
+          <a:p>
+            <a:endParaRPr lang="ko-KR" altLang="en-US"/>
+          </a:p>
+        </p:txBody>
+      </p:sp>
+      <p:sp>
+        <p:nvSpPr>
+          <p:cNvPr id="3" name="Rectangle 4"/>
+          <p:cNvSpPr>
+            <a:spLocks noChangeArrowheads="1"/>
+          </p:cNvSpPr>
+          <p:nvPr/>
+        </p:nvSpPr>
+        <p:spPr bwMode="auto">
+          <a:xfrm>
+            <a:off x="5229726" y="1250913"/>
+            <a:ext cx="12192000" cy="457200"/>
+          </a:xfrm>
+          <a:prstGeom prst="rect">
+            <a:avLst/>
+          </a:prstGeom>
+          <a:noFill/>
+          <a:ln>
+            <a:noFill/>
+          </a:ln>
+          <a:effectLst/>
+          <a:extLst>
+            <a:ext uri="{909E8E84-426E-40DD-AFC4-6F175D3DCCD1}">
+              <a14:hiddenFill xmlns:a14="http://schemas.microsoft.com/office/drawing/2010/main">
+                <a:solidFill>
+                  <a:schemeClr val="accent1"/>
+                </a:solidFill>
+              </a14:hiddenFill>
+            </a:ext>
+            <a:ext uri="{91240B29-F687-4F45-9708-019B960494DF}">
+              <a14:hiddenLine xmlns:a14="http://schemas.microsoft.com/office/drawing/2010/main" w="9525">
+                <a:solidFill>
+                  <a:schemeClr val="tx1"/>
+                </a:solidFill>
+                <a:miter lim="800000"/>
+                <a:headEnd/>
+                <a:tailEnd/>
+              </a14:hiddenLine>
+            </a:ext>
+            <a:ext uri="{AF507438-7753-43E0-B8FC-AC1667EBCBE1}">
+              <a14:hiddenEffects xmlns:a14="http://schemas.microsoft.com/office/drawing/2010/main">
+                <a:effectLst>
+                  <a:outerShdw dist="35921" dir="2700000" algn="ctr" rotWithShape="0">
+                    <a:schemeClr val="bg2"/>
+                  </a:outerShdw>
+                </a:effectLst>
+              </a14:hiddenEffects>
+            </a:ext>
+          </a:extLst>
+        </p:spPr>
+        <p:txBody>
+          <a:bodyPr vert="horz" wrap="none" lIns="91440" tIns="45720" rIns="91440" bIns="45720" numCol="1" anchor="ctr" anchorCtr="0" compatLnSpc="1">
+            <a:prstTxWarp prst="textNoShape">
+              <a:avLst/>
+            </a:prstTxWarp>
+            <a:spAutoFit/>
+          </a:bodyPr>
+          <a:lstStyle/>
+          <a:p>
+            <a:endParaRPr lang="ko-KR" altLang="en-US"/>
+          </a:p>
+        </p:txBody>
+      </p:sp>
+      <p:sp>
+        <p:nvSpPr>
+          <p:cNvPr id="4" name="Rectangle 6"/>
+          <p:cNvSpPr>
+            <a:spLocks noChangeArrowheads="1"/>
+          </p:cNvSpPr>
+          <p:nvPr/>
+        </p:nvSpPr>
+        <p:spPr bwMode="auto">
+          <a:xfrm>
+            <a:off x="0" y="0"/>
+            <a:ext cx="12192000" cy="457200"/>
+          </a:xfrm>
+          <a:prstGeom prst="rect">
+            <a:avLst/>
+          </a:prstGeom>
+          <a:noFill/>
+          <a:ln>
+            <a:noFill/>
+          </a:ln>
+          <a:effectLst/>
+          <a:extLst>
+            <a:ext uri="{909E8E84-426E-40DD-AFC4-6F175D3DCCD1}">
+              <a14:hiddenFill xmlns:a14="http://schemas.microsoft.com/office/drawing/2010/main">
+                <a:solidFill>
+                  <a:schemeClr val="accent1"/>
+                </a:solidFill>
+              </a14:hiddenFill>
+            </a:ext>
+            <a:ext uri="{91240B29-F687-4F45-9708-019B960494DF}">
+              <a14:hiddenLine xmlns:a14="http://schemas.microsoft.com/office/drawing/2010/main" w="9525">
+                <a:solidFill>
+                  <a:schemeClr val="tx1"/>
+                </a:solidFill>
+                <a:miter lim="800000"/>
+                <a:headEnd/>
+                <a:tailEnd/>
+              </a14:hiddenLine>
+            </a:ext>
+            <a:ext uri="{AF507438-7753-43E0-B8FC-AC1667EBCBE1}">
+              <a14:hiddenEffects xmlns:a14="http://schemas.microsoft.com/office/drawing/2010/main">
+                <a:effectLst>
+                  <a:outerShdw dist="35921" dir="2700000" algn="ctr" rotWithShape="0">
+                    <a:schemeClr val="bg2"/>
+                  </a:outerShdw>
+                </a:effectLst>
+              </a14:hiddenEffects>
+            </a:ext>
+          </a:extLst>
+        </p:spPr>
+        <p:txBody>
+          <a:bodyPr vert="horz" wrap="none" lIns="91440" tIns="45720" rIns="91440" bIns="45720" numCol="1" anchor="ctr" anchorCtr="0" compatLnSpc="1">
+            <a:prstTxWarp prst="textNoShape">
+              <a:avLst/>
+            </a:prstTxWarp>
+            <a:spAutoFit/>
+          </a:bodyPr>
+          <a:lstStyle/>
+          <a:p>
+            <a:endParaRPr lang="ko-KR" altLang="en-US"/>
+          </a:p>
+        </p:txBody>
+      </p:sp>
       <p:pic>
         <p:nvPicPr>
-          <p:cNvPr id="3" name="그림 2"/>
+          <p:cNvPr id="7" name="그림 6"/>
           <p:cNvPicPr>
             <a:picLocks noChangeAspect="1"/>
           </p:cNvPicPr>
@@ -3760,259 +3962,18 @@
         </p:blipFill>
         <p:spPr>
           <a:xfrm>
-            <a:off x="1209399" y="2171412"/>
-            <a:ext cx="2457450" cy="2867025"/>
+            <a:off x="2151856" y="1406525"/>
+            <a:ext cx="7888288" cy="4976204"/>
           </a:xfrm>
           <a:prstGeom prst="rect">
             <a:avLst/>
           </a:prstGeom>
         </p:spPr>
       </p:pic>
-      <p:pic>
-        <p:nvPicPr>
-          <p:cNvPr id="4" name="그림 3"/>
-          <p:cNvPicPr>
-            <a:picLocks noChangeAspect="1"/>
-          </p:cNvPicPr>
-          <p:nvPr/>
-        </p:nvPicPr>
-        <p:blipFill>
-          <a:blip r:embed="rId3"/>
-          <a:stretch>
-            <a:fillRect/>
-          </a:stretch>
-        </p:blipFill>
-        <p:spPr>
-          <a:xfrm>
-            <a:off x="4675522" y="2151358"/>
-            <a:ext cx="2865376" cy="2867024"/>
-          </a:xfrm>
-          <a:prstGeom prst="rect">
-            <a:avLst/>
-          </a:prstGeom>
-        </p:spPr>
-      </p:pic>
-      <p:pic>
-        <p:nvPicPr>
-          <p:cNvPr id="7" name="그림 6"/>
-          <p:cNvPicPr>
-            <a:picLocks noChangeAspect="1"/>
-          </p:cNvPicPr>
-          <p:nvPr/>
-        </p:nvPicPr>
-        <p:blipFill>
-          <a:blip r:embed="rId4"/>
-          <a:stretch>
-            <a:fillRect/>
-          </a:stretch>
-        </p:blipFill>
-        <p:spPr>
-          <a:xfrm>
-            <a:off x="8549571" y="2151357"/>
-            <a:ext cx="2840324" cy="2867025"/>
-          </a:xfrm>
-          <a:prstGeom prst="rect">
-            <a:avLst/>
-          </a:prstGeom>
-        </p:spPr>
-      </p:pic>
-      <p:sp>
-        <p:nvSpPr>
-          <p:cNvPr id="303" name="TextBox 302"/>
-          <p:cNvSpPr txBox="1"/>
-          <p:nvPr/>
-        </p:nvSpPr>
-        <p:spPr>
-          <a:xfrm>
-            <a:off x="1209399" y="1321005"/>
-            <a:ext cx="5272274" cy="415498"/>
-          </a:xfrm>
-          <a:prstGeom prst="rect">
-            <a:avLst/>
-          </a:prstGeom>
-          <a:noFill/>
-        </p:spPr>
-        <p:txBody>
-          <a:bodyPr wrap="square" rtlCol="0">
-            <a:spAutoFit/>
-          </a:bodyPr>
-          <a:lstStyle/>
-          <a:p>
-            <a:r>
-              <a:rPr lang="ko-KR" altLang="en-US" sz="2100" dirty="0" smtClean="0">
-                <a:solidFill>
-                  <a:schemeClr val="bg1"/>
-                </a:solidFill>
-                <a:latin typeface="Meiryo" panose="020B0604030504040204" pitchFamily="34" charset="-128"/>
-                <a:cs typeface="Meiryo" panose="020B0604030504040204" pitchFamily="34" charset="-128"/>
-              </a:rPr>
-              <a:t>모델링 및 부품 설명</a:t>
-            </a:r>
-            <a:r>
-              <a:rPr lang="en-US" altLang="ko-KR" sz="2100" dirty="0" smtClean="0">
-                <a:latin typeface="Meiryo" panose="020B0604030504040204" pitchFamily="34" charset="-128"/>
-                <a:ea typeface="Meiryo" panose="020B0604030504040204" pitchFamily="34" charset="-128"/>
-                <a:cs typeface="Meiryo" panose="020B0604030504040204" pitchFamily="34" charset="-128"/>
-              </a:rPr>
-              <a:t>&gt;</a:t>
-            </a:r>
-            <a:endParaRPr lang="ko-KR" altLang="en-US" sz="2100" dirty="0">
-              <a:latin typeface="Meiryo" panose="020B0604030504040204" pitchFamily="34" charset="-128"/>
-              <a:cs typeface="Meiryo" panose="020B0604030504040204" pitchFamily="34" charset="-128"/>
-            </a:endParaRPr>
-          </a:p>
-        </p:txBody>
-      </p:sp>
-      <p:sp>
-        <p:nvSpPr>
-          <p:cNvPr id="304" name="TextBox 303"/>
-          <p:cNvSpPr txBox="1"/>
-          <p:nvPr/>
-        </p:nvSpPr>
-        <p:spPr>
-          <a:xfrm>
-            <a:off x="1486739" y="5595428"/>
-            <a:ext cx="1902769" cy="415498"/>
-          </a:xfrm>
-          <a:prstGeom prst="rect">
-            <a:avLst/>
-          </a:prstGeom>
-          <a:noFill/>
-        </p:spPr>
-        <p:txBody>
-          <a:bodyPr wrap="square" rtlCol="0">
-            <a:spAutoFit/>
-          </a:bodyPr>
-          <a:lstStyle/>
-          <a:p>
-            <a:r>
-              <a:rPr lang="ko-KR" altLang="en-US" sz="2100" dirty="0" smtClean="0">
-                <a:solidFill>
-                  <a:schemeClr val="bg1"/>
-                </a:solidFill>
-                <a:latin typeface="Meiryo" panose="020B0604030504040204" pitchFamily="34" charset="-128"/>
-                <a:cs typeface="Meiryo" panose="020B0604030504040204" pitchFamily="34" charset="-128"/>
-              </a:rPr>
-              <a:t>조절장치 박스</a:t>
-            </a:r>
-            <a:endParaRPr lang="ko-KR" altLang="en-US" sz="2100" dirty="0">
-              <a:solidFill>
-                <a:schemeClr val="bg1"/>
-              </a:solidFill>
-              <a:latin typeface="Meiryo" panose="020B0604030504040204" pitchFamily="34" charset="-128"/>
-              <a:cs typeface="Meiryo" panose="020B0604030504040204" pitchFamily="34" charset="-128"/>
-            </a:endParaRPr>
-          </a:p>
-        </p:txBody>
-      </p:sp>
-      <p:sp>
-        <p:nvSpPr>
-          <p:cNvPr id="307" name="TextBox 306"/>
-          <p:cNvSpPr txBox="1"/>
-          <p:nvPr/>
-        </p:nvSpPr>
-        <p:spPr>
-          <a:xfrm>
-            <a:off x="8847156" y="5387679"/>
-            <a:ext cx="2245153" cy="415498"/>
-          </a:xfrm>
-          <a:prstGeom prst="rect">
-            <a:avLst/>
-          </a:prstGeom>
-          <a:noFill/>
-        </p:spPr>
-        <p:txBody>
-          <a:bodyPr wrap="square" rtlCol="0">
-            <a:spAutoFit/>
-          </a:bodyPr>
-          <a:lstStyle/>
-          <a:p>
-            <a:r>
-              <a:rPr lang="ko-KR" altLang="en-US" sz="2100" dirty="0" err="1" smtClean="0">
-                <a:solidFill>
-                  <a:schemeClr val="bg1"/>
-                </a:solidFill>
-                <a:latin typeface="Meiryo" panose="020B0604030504040204" pitchFamily="34" charset="-128"/>
-                <a:cs typeface="Meiryo" panose="020B0604030504040204" pitchFamily="34" charset="-128"/>
-              </a:rPr>
-              <a:t>솔레노이드</a:t>
-            </a:r>
-            <a:r>
-              <a:rPr lang="ko-KR" altLang="en-US" sz="2100" dirty="0">
-                <a:solidFill>
-                  <a:schemeClr val="bg1"/>
-                </a:solidFill>
-                <a:latin typeface="Meiryo" panose="020B0604030504040204" pitchFamily="34" charset="-128"/>
-                <a:cs typeface="Meiryo" panose="020B0604030504040204" pitchFamily="34" charset="-128"/>
-              </a:rPr>
-              <a:t> </a:t>
-            </a:r>
-            <a:r>
-              <a:rPr lang="ko-KR" altLang="en-US" sz="2100" dirty="0" smtClean="0">
-                <a:solidFill>
-                  <a:schemeClr val="bg1"/>
-                </a:solidFill>
-                <a:latin typeface="Meiryo" panose="020B0604030504040204" pitchFamily="34" charset="-128"/>
-                <a:cs typeface="Meiryo" panose="020B0604030504040204" pitchFamily="34" charset="-128"/>
-              </a:rPr>
-              <a:t>밸브</a:t>
-            </a:r>
-            <a:endParaRPr lang="ko-KR" altLang="en-US" sz="2100" dirty="0">
-              <a:solidFill>
-                <a:schemeClr val="bg1"/>
-              </a:solidFill>
-              <a:latin typeface="Meiryo" panose="020B0604030504040204" pitchFamily="34" charset="-128"/>
-              <a:cs typeface="Meiryo" panose="020B0604030504040204" pitchFamily="34" charset="-128"/>
-            </a:endParaRPr>
-          </a:p>
-        </p:txBody>
-      </p:sp>
-      <p:sp>
-        <p:nvSpPr>
-          <p:cNvPr id="308" name="TextBox 307"/>
-          <p:cNvSpPr txBox="1"/>
-          <p:nvPr/>
-        </p:nvSpPr>
-        <p:spPr>
-          <a:xfrm>
-            <a:off x="5299275" y="5595428"/>
-            <a:ext cx="1638114" cy="415498"/>
-          </a:xfrm>
-          <a:prstGeom prst="rect">
-            <a:avLst/>
-          </a:prstGeom>
-          <a:noFill/>
-        </p:spPr>
-        <p:txBody>
-          <a:bodyPr wrap="square" rtlCol="0">
-            <a:spAutoFit/>
-          </a:bodyPr>
-          <a:lstStyle/>
-          <a:p>
-            <a:r>
-              <a:rPr lang="ko-KR" altLang="en-US" sz="2100" smtClean="0">
-                <a:solidFill>
-                  <a:schemeClr val="bg1"/>
-                </a:solidFill>
-                <a:latin typeface="Meiryo" panose="020B0604030504040204" pitchFamily="34" charset="-128"/>
-                <a:cs typeface="Meiryo" panose="020B0604030504040204" pitchFamily="34" charset="-128"/>
-              </a:rPr>
-              <a:t>조절장치 바</a:t>
-            </a:r>
-            <a:endParaRPr lang="ko-KR" altLang="en-US" sz="2100" dirty="0">
-              <a:solidFill>
-                <a:schemeClr val="bg1"/>
-              </a:solidFill>
-              <a:latin typeface="Meiryo" panose="020B0604030504040204" pitchFamily="34" charset="-128"/>
-              <a:cs typeface="Meiryo" panose="020B0604030504040204" pitchFamily="34" charset="-128"/>
-            </a:endParaRPr>
-          </a:p>
-        </p:txBody>
-      </p:sp>
     </p:spTree>
     <p:extLst>
       <p:ext uri="{BB962C8B-B14F-4D97-AF65-F5344CB8AC3E}">
-        <p14:creationId xmlns:p14="http://schemas.microsoft.com/office/powerpoint/2010/main" val="827075723"/>
+        <p14:creationId xmlns:p14="http://schemas.microsoft.com/office/powerpoint/2010/main" val="2707886897"/>
       </p:ext>
     </p:extLst>
   </p:cSld>
@@ -4270,7 +4231,7 @@
         <p:spPr>
           <a:xfrm>
             <a:off x="888557" y="265928"/>
-            <a:ext cx="2326278" cy="523220"/>
+            <a:ext cx="1580882" cy="523220"/>
           </a:xfrm>
           <a:prstGeom prst="rect">
             <a:avLst/>
@@ -4291,7 +4252,7 @@
                 <a:latin typeface="KoPub돋움체 Light" panose="02020603020101020101" pitchFamily="18" charset="-127"/>
                 <a:ea typeface="KoPub돋움체 Light" panose="02020603020101020101" pitchFamily="18" charset="-127"/>
               </a:rPr>
-              <a:t>작품 설명 규하</a:t>
+              <a:t>작품 설명</a:t>
             </a:r>
             <a:endParaRPr lang="ko-KR" altLang="en-US" sz="2800" dirty="0">
               <a:solidFill>
@@ -4343,7 +4304,7 @@
         </p:blipFill>
         <p:spPr>
           <a:xfrm>
-            <a:off x="4675522" y="2151358"/>
+            <a:off x="4675134" y="2160903"/>
             <a:ext cx="2865376" cy="2867024"/>
           </a:xfrm>
           <a:prstGeom prst="rect">
@@ -4472,7 +4433,7 @@
         </p:nvSpPr>
         <p:spPr>
           <a:xfrm>
-            <a:off x="8847156" y="5387679"/>
+            <a:off x="8847156" y="5563899"/>
             <a:ext cx="2245153" cy="415498"/>
           </a:xfrm>
           <a:prstGeom prst="rect">
@@ -4568,6 +4529,907 @@
           </a:p>
         </p:txBody>
       </p:sp>
+    </p:spTree>
+    <p:extLst>
+      <p:ext uri="{BB962C8B-B14F-4D97-AF65-F5344CB8AC3E}">
+        <p14:creationId xmlns:p14="http://schemas.microsoft.com/office/powerpoint/2010/main" val="827075723"/>
+      </p:ext>
+    </p:extLst>
+  </p:cSld>
+  <p:clrMapOvr>
+    <a:masterClrMapping/>
+  </p:clrMapOvr>
+  <p:timing>
+    <p:tnLst>
+      <p:par>
+        <p:cTn id="1" dur="indefinite" restart="never" nodeType="tmRoot"/>
+      </p:par>
+    </p:tnLst>
+  </p:timing>
+</p:sld>
+</file>
+
+<file path=ppt/slides/slide12.xml><?xml version="1.0" encoding="utf-8"?>
+<p:sld xmlns:a="http://schemas.openxmlformats.org/drawingml/2006/main" xmlns:r="http://schemas.openxmlformats.org/officeDocument/2006/relationships" xmlns:p="http://schemas.openxmlformats.org/presentationml/2006/main">
+  <p:cSld>
+    <p:bg>
+      <p:bgPr>
+        <a:solidFill>
+          <a:srgbClr val="222222"/>
+        </a:solidFill>
+        <a:effectLst/>
+      </p:bgPr>
+    </p:bg>
+    <p:spTree>
+      <p:nvGrpSpPr>
+        <p:cNvPr id="1" name=""/>
+        <p:cNvGrpSpPr/>
+        <p:nvPr/>
+      </p:nvGrpSpPr>
+      <p:grpSpPr>
+        <a:xfrm>
+          <a:off x="0" y="0"/>
+          <a:ext cx="0" cy="0"/>
+          <a:chOff x="0" y="0"/>
+          <a:chExt cx="0" cy="0"/>
+        </a:xfrm>
+      </p:grpSpPr>
+      <p:sp>
+        <p:nvSpPr>
+          <p:cNvPr id="2240" name="이등변 삼각형 2239"/>
+          <p:cNvSpPr/>
+          <p:nvPr/>
+        </p:nvSpPr>
+        <p:spPr>
+          <a:xfrm>
+            <a:off x="6011148" y="100484"/>
+            <a:ext cx="1203569" cy="954593"/>
+          </a:xfrm>
+          <a:prstGeom prst="triangle">
+            <a:avLst/>
+          </a:prstGeom>
+          <a:solidFill>
+            <a:srgbClr val="222222"/>
+          </a:solidFill>
+          <a:ln>
+            <a:noFill/>
+          </a:ln>
+          <a:effectLst>
+            <a:outerShdw blurRad="50800" dist="38100" dir="18900000" algn="bl" rotWithShape="0">
+              <a:prstClr val="black">
+                <a:alpha val="40000"/>
+              </a:prstClr>
+            </a:outerShdw>
+          </a:effectLst>
+        </p:spPr>
+        <p:style>
+          <a:lnRef idx="2">
+            <a:schemeClr val="accent1">
+              <a:shade val="50000"/>
+            </a:schemeClr>
+          </a:lnRef>
+          <a:fillRef idx="1">
+            <a:schemeClr val="accent1"/>
+          </a:fillRef>
+          <a:effectRef idx="0">
+            <a:schemeClr val="accent1"/>
+          </a:effectRef>
+          <a:fontRef idx="minor">
+            <a:schemeClr val="lt1"/>
+          </a:fontRef>
+        </p:style>
+        <p:txBody>
+          <a:bodyPr rtlCol="0" anchor="ctr"/>
+          <a:lstStyle/>
+          <a:p>
+            <a:pPr algn="ctr"/>
+            <a:endParaRPr lang="ko-KR" altLang="en-US"/>
+          </a:p>
+        </p:txBody>
+      </p:sp>
+      <p:sp>
+        <p:nvSpPr>
+          <p:cNvPr id="1302" name="자유형 1301"/>
+          <p:cNvSpPr/>
+          <p:nvPr/>
+        </p:nvSpPr>
+        <p:spPr>
+          <a:xfrm>
+            <a:off x="0" y="0"/>
+            <a:ext cx="6794939" cy="1055077"/>
+          </a:xfrm>
+          <a:custGeom>
+            <a:avLst/>
+            <a:gdLst>
+              <a:gd name="connsiteX0" fmla="*/ 0 w 6794939"/>
+              <a:gd name="connsiteY0" fmla="*/ 0 h 1198179"/>
+              <a:gd name="connsiteX1" fmla="*/ 299546 w 6794939"/>
+              <a:gd name="connsiteY1" fmla="*/ 0 h 1198179"/>
+              <a:gd name="connsiteX2" fmla="*/ 1418897 w 6794939"/>
+              <a:gd name="connsiteY2" fmla="*/ 0 h 1198179"/>
+              <a:gd name="connsiteX3" fmla="*/ 6794939 w 6794939"/>
+              <a:gd name="connsiteY3" fmla="*/ 0 h 1198179"/>
+              <a:gd name="connsiteX4" fmla="*/ 6495394 w 6794939"/>
+              <a:gd name="connsiteY4" fmla="*/ 1198179 h 1198179"/>
+              <a:gd name="connsiteX5" fmla="*/ 1418897 w 6794939"/>
+              <a:gd name="connsiteY5" fmla="*/ 1198179 h 1198179"/>
+              <a:gd name="connsiteX6" fmla="*/ 1 w 6794939"/>
+              <a:gd name="connsiteY6" fmla="*/ 1198179 h 1198179"/>
+              <a:gd name="connsiteX7" fmla="*/ 0 w 6794939"/>
+              <a:gd name="connsiteY7" fmla="*/ 1198179 h 1198179"/>
+              <a:gd name="connsiteX0" fmla="*/ 0 w 6794939"/>
+              <a:gd name="connsiteY0" fmla="*/ 0 h 1213945"/>
+              <a:gd name="connsiteX1" fmla="*/ 299546 w 6794939"/>
+              <a:gd name="connsiteY1" fmla="*/ 0 h 1213945"/>
+              <a:gd name="connsiteX2" fmla="*/ 1418897 w 6794939"/>
+              <a:gd name="connsiteY2" fmla="*/ 0 h 1213945"/>
+              <a:gd name="connsiteX3" fmla="*/ 6794939 w 6794939"/>
+              <a:gd name="connsiteY3" fmla="*/ 0 h 1213945"/>
+              <a:gd name="connsiteX4" fmla="*/ 5990898 w 6794939"/>
+              <a:gd name="connsiteY4" fmla="*/ 1213945 h 1213945"/>
+              <a:gd name="connsiteX5" fmla="*/ 1418897 w 6794939"/>
+              <a:gd name="connsiteY5" fmla="*/ 1198179 h 1213945"/>
+              <a:gd name="connsiteX6" fmla="*/ 1 w 6794939"/>
+              <a:gd name="connsiteY6" fmla="*/ 1198179 h 1213945"/>
+              <a:gd name="connsiteX7" fmla="*/ 0 w 6794939"/>
+              <a:gd name="connsiteY7" fmla="*/ 1198179 h 1213945"/>
+              <a:gd name="connsiteX8" fmla="*/ 0 w 6794939"/>
+              <a:gd name="connsiteY8" fmla="*/ 0 h 1213945"/>
+            </a:gdLst>
+            <a:ahLst/>
+            <a:cxnLst>
+              <a:cxn ang="0">
+                <a:pos x="connsiteX0" y="connsiteY0"/>
+              </a:cxn>
+              <a:cxn ang="0">
+                <a:pos x="connsiteX1" y="connsiteY1"/>
+              </a:cxn>
+              <a:cxn ang="0">
+                <a:pos x="connsiteX2" y="connsiteY2"/>
+              </a:cxn>
+              <a:cxn ang="0">
+                <a:pos x="connsiteX3" y="connsiteY3"/>
+              </a:cxn>
+              <a:cxn ang="0">
+                <a:pos x="connsiteX4" y="connsiteY4"/>
+              </a:cxn>
+              <a:cxn ang="0">
+                <a:pos x="connsiteX5" y="connsiteY5"/>
+              </a:cxn>
+              <a:cxn ang="0">
+                <a:pos x="connsiteX6" y="connsiteY6"/>
+              </a:cxn>
+              <a:cxn ang="0">
+                <a:pos x="connsiteX7" y="connsiteY7"/>
+              </a:cxn>
+              <a:cxn ang="0">
+                <a:pos x="connsiteX8" y="connsiteY8"/>
+              </a:cxn>
+            </a:cxnLst>
+            <a:rect l="l" t="t" r="r" b="b"/>
+            <a:pathLst>
+              <a:path w="6794939" h="1213945">
+                <a:moveTo>
+                  <a:pt x="0" y="0"/>
+                </a:moveTo>
+                <a:lnTo>
+                  <a:pt x="299546" y="0"/>
+                </a:lnTo>
+                <a:lnTo>
+                  <a:pt x="1418897" y="0"/>
+                </a:lnTo>
+                <a:lnTo>
+                  <a:pt x="6794939" y="0"/>
+                </a:lnTo>
+                <a:lnTo>
+                  <a:pt x="5990898" y="1213945"/>
+                </a:lnTo>
+                <a:lnTo>
+                  <a:pt x="1418897" y="1198179"/>
+                </a:lnTo>
+                <a:lnTo>
+                  <a:pt x="1" y="1198179"/>
+                </a:lnTo>
+                <a:lnTo>
+                  <a:pt x="0" y="1198179"/>
+                </a:lnTo>
+                <a:lnTo>
+                  <a:pt x="0" y="0"/>
+                </a:lnTo>
+                <a:close/>
+              </a:path>
+            </a:pathLst>
+          </a:custGeom>
+          <a:solidFill>
+            <a:schemeClr val="accent1">
+              <a:lumMod val="50000"/>
+            </a:schemeClr>
+          </a:solidFill>
+          <a:ln>
+            <a:noFill/>
+          </a:ln>
+          <a:effectLst>
+            <a:outerShdw blurRad="50800" dist="38100" dir="2700000" algn="tl" rotWithShape="0">
+              <a:prstClr val="black">
+                <a:alpha val="40000"/>
+              </a:prstClr>
+            </a:outerShdw>
+          </a:effectLst>
+        </p:spPr>
+        <p:style>
+          <a:lnRef idx="2">
+            <a:schemeClr val="accent1">
+              <a:shade val="50000"/>
+            </a:schemeClr>
+          </a:lnRef>
+          <a:fillRef idx="1">
+            <a:schemeClr val="accent1"/>
+          </a:fillRef>
+          <a:effectRef idx="0">
+            <a:schemeClr val="accent1"/>
+          </a:effectRef>
+          <a:fontRef idx="minor">
+            <a:schemeClr val="lt1"/>
+          </a:fontRef>
+        </p:style>
+        <p:txBody>
+          <a:bodyPr rtlCol="0" anchor="ctr"/>
+          <a:lstStyle/>
+          <a:p>
+            <a:pPr algn="ctr"/>
+            <a:endParaRPr lang="ko-KR" altLang="en-US"/>
+          </a:p>
+        </p:txBody>
+      </p:sp>
+      <p:sp>
+        <p:nvSpPr>
+          <p:cNvPr id="26" name="TextBox 25"/>
+          <p:cNvSpPr txBox="1"/>
+          <p:nvPr/>
+        </p:nvSpPr>
+        <p:spPr>
+          <a:xfrm>
+            <a:off x="888557" y="265928"/>
+            <a:ext cx="2326278" cy="523220"/>
+          </a:xfrm>
+          <a:prstGeom prst="rect">
+            <a:avLst/>
+          </a:prstGeom>
+          <a:noFill/>
+        </p:spPr>
+        <p:txBody>
+          <a:bodyPr wrap="none" rtlCol="0">
+            <a:spAutoFit/>
+          </a:bodyPr>
+          <a:lstStyle/>
+          <a:p>
+            <a:r>
+              <a:rPr lang="ko-KR" altLang="en-US" sz="2800" dirty="0" smtClean="0">
+                <a:solidFill>
+                  <a:schemeClr val="bg1"/>
+                </a:solidFill>
+                <a:latin typeface="KoPub돋움체 Light" panose="02020603020101020101" pitchFamily="18" charset="-127"/>
+                <a:ea typeface="KoPub돋움체 Light" panose="02020603020101020101" pitchFamily="18" charset="-127"/>
+              </a:rPr>
+              <a:t>작품 설명 규하</a:t>
+            </a:r>
+            <a:endParaRPr lang="ko-KR" altLang="en-US" sz="2800" dirty="0">
+              <a:solidFill>
+                <a:schemeClr val="bg1"/>
+              </a:solidFill>
+              <a:latin typeface="KoPub돋움체 Light" panose="02020603020101020101" pitchFamily="18" charset="-127"/>
+              <a:ea typeface="KoPub돋움체 Light" panose="02020603020101020101" pitchFamily="18" charset="-127"/>
+            </a:endParaRPr>
+          </a:p>
+        </p:txBody>
+      </p:sp>
+      <p:pic>
+        <p:nvPicPr>
+          <p:cNvPr id="1026" name="Picture 2"/>
+          <p:cNvPicPr>
+            <a:picLocks noChangeAspect="1" noChangeArrowheads="1"/>
+          </p:cNvPicPr>
+          <p:nvPr/>
+        </p:nvPicPr>
+        <p:blipFill>
+          <a:blip r:embed="rId2">
+            <a:extLst>
+              <a:ext uri="{28A0092B-C50C-407E-A947-70E740481C1C}">
+                <a14:useLocalDpi xmlns:a14="http://schemas.microsoft.com/office/drawing/2010/main" val="0"/>
+              </a:ext>
+            </a:extLst>
+          </a:blip>
+          <a:srcRect/>
+          <a:stretch>
+            <a:fillRect/>
+          </a:stretch>
+        </p:blipFill>
+        <p:spPr bwMode="auto">
+          <a:xfrm>
+            <a:off x="3482384" y="1219855"/>
+            <a:ext cx="3429163" cy="2090737"/>
+          </a:xfrm>
+          <a:prstGeom prst="rect">
+            <a:avLst/>
+          </a:prstGeom>
+          <a:noFill/>
+          <a:ln>
+            <a:noFill/>
+          </a:ln>
+          <a:extLst>
+            <a:ext uri="{909E8E84-426E-40DD-AFC4-6F175D3DCCD1}">
+              <a14:hiddenFill xmlns:a14="http://schemas.microsoft.com/office/drawing/2010/main">
+                <a:solidFill>
+                  <a:schemeClr val="accent1"/>
+                </a:solidFill>
+              </a14:hiddenFill>
+            </a:ext>
+            <a:ext uri="{91240B29-F687-4F45-9708-019B960494DF}">
+              <a14:hiddenLine xmlns:a14="http://schemas.microsoft.com/office/drawing/2010/main" w="9525">
+                <a:solidFill>
+                  <a:schemeClr val="tx1"/>
+                </a:solidFill>
+                <a:miter lim="800000"/>
+                <a:headEnd/>
+                <a:tailEnd/>
+              </a14:hiddenLine>
+            </a:ext>
+          </a:extLst>
+        </p:spPr>
+      </p:pic>
+      <p:pic>
+        <p:nvPicPr>
+          <p:cNvPr id="1028" name="Picture 4"/>
+          <p:cNvPicPr>
+            <a:picLocks noChangeAspect="1" noChangeArrowheads="1"/>
+          </p:cNvPicPr>
+          <p:nvPr/>
+        </p:nvPicPr>
+        <p:blipFill>
+          <a:blip r:embed="rId3">
+            <a:extLst>
+              <a:ext uri="{28A0092B-C50C-407E-A947-70E740481C1C}">
+                <a14:useLocalDpi xmlns:a14="http://schemas.microsoft.com/office/drawing/2010/main" val="0"/>
+              </a:ext>
+            </a:extLst>
+          </a:blip>
+          <a:srcRect/>
+          <a:stretch>
+            <a:fillRect/>
+          </a:stretch>
+        </p:blipFill>
+        <p:spPr bwMode="auto">
+          <a:xfrm>
+            <a:off x="179212" y="1229381"/>
+            <a:ext cx="2437863" cy="4181475"/>
+          </a:xfrm>
+          <a:prstGeom prst="rect">
+            <a:avLst/>
+          </a:prstGeom>
+          <a:noFill/>
+          <a:ln>
+            <a:noFill/>
+          </a:ln>
+          <a:extLst>
+            <a:ext uri="{909E8E84-426E-40DD-AFC4-6F175D3DCCD1}">
+              <a14:hiddenFill xmlns:a14="http://schemas.microsoft.com/office/drawing/2010/main">
+                <a:solidFill>
+                  <a:schemeClr val="accent1"/>
+                </a:solidFill>
+              </a14:hiddenFill>
+            </a:ext>
+            <a:ext uri="{91240B29-F687-4F45-9708-019B960494DF}">
+              <a14:hiddenLine xmlns:a14="http://schemas.microsoft.com/office/drawing/2010/main" w="9525">
+                <a:solidFill>
+                  <a:schemeClr val="tx1"/>
+                </a:solidFill>
+                <a:miter lim="800000"/>
+                <a:headEnd/>
+                <a:tailEnd/>
+              </a14:hiddenLine>
+            </a:ext>
+          </a:extLst>
+        </p:spPr>
+      </p:pic>
+      <p:sp>
+        <p:nvSpPr>
+          <p:cNvPr id="8" name="TextBox 7"/>
+          <p:cNvSpPr txBox="1"/>
+          <p:nvPr/>
+        </p:nvSpPr>
+        <p:spPr>
+          <a:xfrm>
+            <a:off x="378641" y="5699147"/>
+            <a:ext cx="1891862" cy="646331"/>
+          </a:xfrm>
+          <a:prstGeom prst="rect">
+            <a:avLst/>
+          </a:prstGeom>
+          <a:noFill/>
+        </p:spPr>
+        <p:txBody>
+          <a:bodyPr wrap="square" rtlCol="0">
+            <a:spAutoFit/>
+          </a:bodyPr>
+          <a:lstStyle/>
+          <a:p>
+            <a:r>
+              <a:rPr lang="ko-KR" altLang="en-US" dirty="0" err="1" smtClean="0">
+                <a:solidFill>
+                  <a:schemeClr val="bg1"/>
+                </a:solidFill>
+              </a:rPr>
+              <a:t>아두이노를</a:t>
+            </a:r>
+            <a:r>
+              <a:rPr lang="ko-KR" altLang="en-US" dirty="0" smtClean="0">
+                <a:solidFill>
+                  <a:schemeClr val="bg1"/>
+                </a:solidFill>
+              </a:rPr>
+              <a:t> 이용한 </a:t>
+            </a:r>
+            <a:r>
+              <a:rPr lang="en-US" altLang="ko-KR" dirty="0" smtClean="0">
+                <a:solidFill>
+                  <a:schemeClr val="bg1"/>
+                </a:solidFill>
+              </a:rPr>
+              <a:t>DC</a:t>
+            </a:r>
+            <a:r>
+              <a:rPr lang="ko-KR" altLang="en-US" dirty="0" smtClean="0">
+                <a:solidFill>
+                  <a:schemeClr val="bg1"/>
+                </a:solidFill>
+              </a:rPr>
+              <a:t>모터 제어</a:t>
+            </a:r>
+            <a:endParaRPr lang="en-US" altLang="ko-KR" dirty="0" smtClean="0">
+              <a:solidFill>
+                <a:schemeClr val="bg1"/>
+              </a:solidFill>
+            </a:endParaRPr>
+          </a:p>
+        </p:txBody>
+      </p:sp>
+      <p:pic>
+        <p:nvPicPr>
+          <p:cNvPr id="1030" name="Picture 6"/>
+          <p:cNvPicPr>
+            <a:picLocks noChangeAspect="1" noChangeArrowheads="1"/>
+          </p:cNvPicPr>
+          <p:nvPr/>
+        </p:nvPicPr>
+        <p:blipFill>
+          <a:blip r:embed="rId4">
+            <a:extLst>
+              <a:ext uri="{28A0092B-C50C-407E-A947-70E740481C1C}">
+                <a14:useLocalDpi xmlns:a14="http://schemas.microsoft.com/office/drawing/2010/main" val="0"/>
+              </a:ext>
+            </a:extLst>
+          </a:blip>
+          <a:srcRect/>
+          <a:stretch>
+            <a:fillRect/>
+          </a:stretch>
+        </p:blipFill>
+        <p:spPr bwMode="auto">
+          <a:xfrm>
+            <a:off x="5493420" y="3448705"/>
+            <a:ext cx="1418127" cy="1962150"/>
+          </a:xfrm>
+          <a:prstGeom prst="rect">
+            <a:avLst/>
+          </a:prstGeom>
+          <a:noFill/>
+          <a:ln>
+            <a:noFill/>
+          </a:ln>
+          <a:extLst>
+            <a:ext uri="{909E8E84-426E-40DD-AFC4-6F175D3DCCD1}">
+              <a14:hiddenFill xmlns:a14="http://schemas.microsoft.com/office/drawing/2010/main">
+                <a:solidFill>
+                  <a:schemeClr val="accent1"/>
+                </a:solidFill>
+              </a14:hiddenFill>
+            </a:ext>
+            <a:ext uri="{91240B29-F687-4F45-9708-019B960494DF}">
+              <a14:hiddenLine xmlns:a14="http://schemas.microsoft.com/office/drawing/2010/main" w="9525">
+                <a:solidFill>
+                  <a:schemeClr val="tx1"/>
+                </a:solidFill>
+                <a:miter lim="800000"/>
+                <a:headEnd/>
+                <a:tailEnd/>
+              </a14:hiddenLine>
+            </a:ext>
+          </a:extLst>
+        </p:spPr>
+      </p:pic>
+      <p:sp>
+        <p:nvSpPr>
+          <p:cNvPr id="24" name="TextBox 23"/>
+          <p:cNvSpPr txBox="1"/>
+          <p:nvPr/>
+        </p:nvSpPr>
+        <p:spPr>
+          <a:xfrm>
+            <a:off x="3748702" y="5699146"/>
+            <a:ext cx="3247696" cy="646331"/>
+          </a:xfrm>
+          <a:prstGeom prst="rect">
+            <a:avLst/>
+          </a:prstGeom>
+          <a:noFill/>
+        </p:spPr>
+        <p:txBody>
+          <a:bodyPr wrap="square" rtlCol="0">
+            <a:spAutoFit/>
+          </a:bodyPr>
+          <a:lstStyle/>
+          <a:p>
+            <a:r>
+              <a:rPr lang="ko-KR" altLang="en-US" dirty="0" err="1" smtClean="0">
+                <a:solidFill>
+                  <a:schemeClr val="bg1"/>
+                </a:solidFill>
+              </a:rPr>
+              <a:t>엔코더와</a:t>
+            </a:r>
+            <a:r>
+              <a:rPr lang="ko-KR" altLang="en-US" dirty="0" smtClean="0">
+                <a:solidFill>
+                  <a:schemeClr val="bg1"/>
+                </a:solidFill>
+              </a:rPr>
+              <a:t> 외부인터럽트</a:t>
+            </a:r>
+            <a:r>
+              <a:rPr lang="en-US" altLang="ko-KR" dirty="0" smtClean="0">
+                <a:solidFill>
+                  <a:schemeClr val="bg1"/>
+                </a:solidFill>
+              </a:rPr>
+              <a:t>,</a:t>
+            </a:r>
+            <a:r>
+              <a:rPr lang="ko-KR" altLang="en-US" dirty="0" smtClean="0">
+                <a:solidFill>
+                  <a:schemeClr val="bg1"/>
+                </a:solidFill>
+              </a:rPr>
+              <a:t> 타이머를 활용한 모터 </a:t>
+            </a:r>
+            <a:r>
+              <a:rPr lang="en-US" altLang="ko-KR" dirty="0" smtClean="0">
+                <a:solidFill>
+                  <a:schemeClr val="bg1"/>
+                </a:solidFill>
+              </a:rPr>
+              <a:t>PID </a:t>
+            </a:r>
+            <a:r>
+              <a:rPr lang="ko-KR" altLang="en-US" dirty="0" smtClean="0">
+                <a:solidFill>
+                  <a:schemeClr val="bg1"/>
+                </a:solidFill>
+              </a:rPr>
+              <a:t>제어</a:t>
+            </a:r>
+            <a:endParaRPr lang="en-US" altLang="ko-KR" dirty="0" smtClean="0">
+              <a:solidFill>
+                <a:schemeClr val="bg1"/>
+              </a:solidFill>
+            </a:endParaRPr>
+          </a:p>
+        </p:txBody>
+      </p:sp>
+      <p:pic>
+        <p:nvPicPr>
+          <p:cNvPr id="1031" name="Picture 7"/>
+          <p:cNvPicPr>
+            <a:picLocks noChangeAspect="1" noChangeArrowheads="1"/>
+          </p:cNvPicPr>
+          <p:nvPr/>
+        </p:nvPicPr>
+        <p:blipFill>
+          <a:blip r:embed="rId5">
+            <a:extLst>
+              <a:ext uri="{28A0092B-C50C-407E-A947-70E740481C1C}">
+                <a14:useLocalDpi xmlns:a14="http://schemas.microsoft.com/office/drawing/2010/main" val="0"/>
+              </a:ext>
+            </a:extLst>
+          </a:blip>
+          <a:srcRect/>
+          <a:stretch>
+            <a:fillRect/>
+          </a:stretch>
+        </p:blipFill>
+        <p:spPr bwMode="auto">
+          <a:xfrm>
+            <a:off x="3482383" y="1219854"/>
+            <a:ext cx="938981" cy="811433"/>
+          </a:xfrm>
+          <a:prstGeom prst="rect">
+            <a:avLst/>
+          </a:prstGeom>
+          <a:noFill/>
+          <a:ln>
+            <a:noFill/>
+          </a:ln>
+          <a:extLst>
+            <a:ext uri="{909E8E84-426E-40DD-AFC4-6F175D3DCCD1}">
+              <a14:hiddenFill xmlns:a14="http://schemas.microsoft.com/office/drawing/2010/main">
+                <a:solidFill>
+                  <a:schemeClr val="accent1"/>
+                </a:solidFill>
+              </a14:hiddenFill>
+            </a:ext>
+            <a:ext uri="{91240B29-F687-4F45-9708-019B960494DF}">
+              <a14:hiddenLine xmlns:a14="http://schemas.microsoft.com/office/drawing/2010/main" w="9525">
+                <a:solidFill>
+                  <a:schemeClr val="tx1"/>
+                </a:solidFill>
+                <a:miter lim="800000"/>
+                <a:headEnd/>
+                <a:tailEnd/>
+              </a14:hiddenLine>
+            </a:ext>
+          </a:extLst>
+        </p:spPr>
+      </p:pic>
+      <p:pic>
+        <p:nvPicPr>
+          <p:cNvPr id="1032" name="Picture 8"/>
+          <p:cNvPicPr>
+            <a:picLocks noChangeAspect="1" noChangeArrowheads="1"/>
+          </p:cNvPicPr>
+          <p:nvPr/>
+        </p:nvPicPr>
+        <p:blipFill>
+          <a:blip r:embed="rId6">
+            <a:extLst>
+              <a:ext uri="{28A0092B-C50C-407E-A947-70E740481C1C}">
+                <a14:useLocalDpi xmlns:a14="http://schemas.microsoft.com/office/drawing/2010/main" val="0"/>
+              </a:ext>
+            </a:extLst>
+          </a:blip>
+          <a:srcRect/>
+          <a:stretch>
+            <a:fillRect/>
+          </a:stretch>
+        </p:blipFill>
+        <p:spPr bwMode="auto">
+          <a:xfrm>
+            <a:off x="3482385" y="3448705"/>
+            <a:ext cx="1170208" cy="1952625"/>
+          </a:xfrm>
+          <a:prstGeom prst="rect">
+            <a:avLst/>
+          </a:prstGeom>
+          <a:noFill/>
+          <a:ln>
+            <a:noFill/>
+          </a:ln>
+          <a:extLst>
+            <a:ext uri="{909E8E84-426E-40DD-AFC4-6F175D3DCCD1}">
+              <a14:hiddenFill xmlns:a14="http://schemas.microsoft.com/office/drawing/2010/main">
+                <a:solidFill>
+                  <a:schemeClr val="accent1"/>
+                </a:solidFill>
+              </a14:hiddenFill>
+            </a:ext>
+            <a:ext uri="{91240B29-F687-4F45-9708-019B960494DF}">
+              <a14:hiddenLine xmlns:a14="http://schemas.microsoft.com/office/drawing/2010/main" w="9525">
+                <a:solidFill>
+                  <a:schemeClr val="tx1"/>
+                </a:solidFill>
+                <a:miter lim="800000"/>
+                <a:headEnd/>
+                <a:tailEnd/>
+              </a14:hiddenLine>
+            </a:ext>
+          </a:extLst>
+        </p:spPr>
+      </p:pic>
+      <p:sp>
+        <p:nvSpPr>
+          <p:cNvPr id="9" name="오른쪽 화살표 8"/>
+          <p:cNvSpPr/>
+          <p:nvPr/>
+        </p:nvSpPr>
+        <p:spPr>
+          <a:xfrm>
+            <a:off x="4826938" y="4272617"/>
+            <a:ext cx="430924" cy="304800"/>
+          </a:xfrm>
+          <a:prstGeom prst="rightArrow">
+            <a:avLst/>
+          </a:prstGeom>
+          <a:solidFill>
+            <a:schemeClr val="bg2"/>
+          </a:solidFill>
+        </p:spPr>
+        <p:style>
+          <a:lnRef idx="2">
+            <a:schemeClr val="accent1">
+              <a:shade val="50000"/>
+            </a:schemeClr>
+          </a:lnRef>
+          <a:fillRef idx="1">
+            <a:schemeClr val="accent1"/>
+          </a:fillRef>
+          <a:effectRef idx="0">
+            <a:schemeClr val="accent1"/>
+          </a:effectRef>
+          <a:fontRef idx="minor">
+            <a:schemeClr val="lt1"/>
+          </a:fontRef>
+        </p:style>
+        <p:txBody>
+          <a:bodyPr rtlCol="0" anchor="ctr"/>
+          <a:lstStyle/>
+          <a:p>
+            <a:pPr algn="ctr"/>
+            <a:endParaRPr lang="ko-KR" altLang="en-US"/>
+          </a:p>
+        </p:txBody>
+      </p:sp>
+      <p:pic>
+        <p:nvPicPr>
+          <p:cNvPr id="1033" name="Picture 9"/>
+          <p:cNvPicPr>
+            <a:picLocks noChangeAspect="1" noChangeArrowheads="1"/>
+          </p:cNvPicPr>
+          <p:nvPr/>
+        </p:nvPicPr>
+        <p:blipFill>
+          <a:blip r:embed="rId7">
+            <a:extLst>
+              <a:ext uri="{28A0092B-C50C-407E-A947-70E740481C1C}">
+                <a14:useLocalDpi xmlns:a14="http://schemas.microsoft.com/office/drawing/2010/main" val="0"/>
+              </a:ext>
+            </a:extLst>
+          </a:blip>
+          <a:srcRect/>
+          <a:stretch>
+            <a:fillRect/>
+          </a:stretch>
+        </p:blipFill>
+        <p:spPr bwMode="auto">
+          <a:xfrm>
+            <a:off x="7520153" y="1244652"/>
+            <a:ext cx="4424168" cy="2078257"/>
+          </a:xfrm>
+          <a:prstGeom prst="rect">
+            <a:avLst/>
+          </a:prstGeom>
+          <a:noFill/>
+          <a:ln>
+            <a:noFill/>
+          </a:ln>
+          <a:extLst>
+            <a:ext uri="{909E8E84-426E-40DD-AFC4-6F175D3DCCD1}">
+              <a14:hiddenFill xmlns:a14="http://schemas.microsoft.com/office/drawing/2010/main">
+                <a:solidFill>
+                  <a:schemeClr val="accent1"/>
+                </a:solidFill>
+              </a14:hiddenFill>
+            </a:ext>
+            <a:ext uri="{91240B29-F687-4F45-9708-019B960494DF}">
+              <a14:hiddenLine xmlns:a14="http://schemas.microsoft.com/office/drawing/2010/main" w="9525">
+                <a:solidFill>
+                  <a:schemeClr val="tx1"/>
+                </a:solidFill>
+                <a:miter lim="800000"/>
+                <a:headEnd/>
+                <a:tailEnd/>
+              </a14:hiddenLine>
+            </a:ext>
+          </a:extLst>
+        </p:spPr>
+      </p:pic>
+      <p:sp>
+        <p:nvSpPr>
+          <p:cNvPr id="29" name="TextBox 28"/>
+          <p:cNvSpPr txBox="1"/>
+          <p:nvPr/>
+        </p:nvSpPr>
+        <p:spPr>
+          <a:xfrm>
+            <a:off x="8350455" y="5701938"/>
+            <a:ext cx="3247696" cy="369332"/>
+          </a:xfrm>
+          <a:prstGeom prst="rect">
+            <a:avLst/>
+          </a:prstGeom>
+          <a:noFill/>
+        </p:spPr>
+        <p:txBody>
+          <a:bodyPr wrap="square" rtlCol="0">
+            <a:spAutoFit/>
+          </a:bodyPr>
+          <a:lstStyle/>
+          <a:p>
+            <a:r>
+              <a:rPr lang="ko-KR" altLang="en-US" dirty="0" err="1" smtClean="0">
+                <a:solidFill>
+                  <a:schemeClr val="bg1"/>
+                </a:solidFill>
+              </a:rPr>
+              <a:t>급출발</a:t>
+            </a:r>
+            <a:r>
+              <a:rPr lang="ko-KR" altLang="en-US" dirty="0" smtClean="0">
+                <a:solidFill>
+                  <a:schemeClr val="bg1"/>
+                </a:solidFill>
+              </a:rPr>
+              <a:t> 급정거 제어</a:t>
+            </a:r>
+            <a:endParaRPr lang="en-US" altLang="ko-KR" dirty="0" smtClean="0">
+              <a:solidFill>
+                <a:schemeClr val="bg1"/>
+              </a:solidFill>
+            </a:endParaRPr>
+          </a:p>
+        </p:txBody>
+      </p:sp>
+      <p:pic>
+        <p:nvPicPr>
+          <p:cNvPr id="1035" name="Picture 11"/>
+          <p:cNvPicPr>
+            <a:picLocks noChangeAspect="1" noChangeArrowheads="1"/>
+          </p:cNvPicPr>
+          <p:nvPr/>
+        </p:nvPicPr>
+        <p:blipFill>
+          <a:blip r:embed="rId8">
+            <a:extLst>
+              <a:ext uri="{28A0092B-C50C-407E-A947-70E740481C1C}">
+                <a14:useLocalDpi xmlns:a14="http://schemas.microsoft.com/office/drawing/2010/main" val="0"/>
+              </a:ext>
+            </a:extLst>
+          </a:blip>
+          <a:srcRect/>
+          <a:stretch>
+            <a:fillRect/>
+          </a:stretch>
+        </p:blipFill>
+        <p:spPr bwMode="auto">
+          <a:xfrm>
+            <a:off x="8313670" y="3431791"/>
+            <a:ext cx="2247900" cy="2171700"/>
+          </a:xfrm>
+          <a:prstGeom prst="rect">
+            <a:avLst/>
+          </a:prstGeom>
+          <a:noFill/>
+          <a:ln>
+            <a:noFill/>
+          </a:ln>
+          <a:extLst>
+            <a:ext uri="{909E8E84-426E-40DD-AFC4-6F175D3DCCD1}">
+              <a14:hiddenFill xmlns:a14="http://schemas.microsoft.com/office/drawing/2010/main">
+                <a:solidFill>
+                  <a:schemeClr val="accent1"/>
+                </a:solidFill>
+              </a14:hiddenFill>
+            </a:ext>
+            <a:ext uri="{91240B29-F687-4F45-9708-019B960494DF}">
+              <a14:hiddenLine xmlns:a14="http://schemas.microsoft.com/office/drawing/2010/main" w="9525">
+                <a:solidFill>
+                  <a:schemeClr val="tx1"/>
+                </a:solidFill>
+                <a:miter lim="800000"/>
+                <a:headEnd/>
+                <a:tailEnd/>
+              </a14:hiddenLine>
+            </a:ext>
+          </a:extLst>
+        </p:spPr>
+      </p:pic>
     </p:spTree>
     <p:extLst>
       <p:ext uri="{BB962C8B-B14F-4D97-AF65-F5344CB8AC3E}">
@@ -4588,7 +5450,453 @@
 </p:sld>
 </file>
 
-<file path=ppt/slides/slide12.xml><?xml version="1.0" encoding="utf-8"?>
+<file path=ppt/slides/slide13.xml><?xml version="1.0" encoding="utf-8"?>
+<p:sld xmlns:a="http://schemas.openxmlformats.org/drawingml/2006/main" xmlns:r="http://schemas.openxmlformats.org/officeDocument/2006/relationships" xmlns:p="http://schemas.openxmlformats.org/presentationml/2006/main">
+  <p:cSld>
+    <p:bg>
+      <p:bgPr>
+        <a:solidFill>
+          <a:srgbClr val="222222"/>
+        </a:solidFill>
+        <a:effectLst/>
+      </p:bgPr>
+    </p:bg>
+    <p:spTree>
+      <p:nvGrpSpPr>
+        <p:cNvPr id="1" name=""/>
+        <p:cNvGrpSpPr/>
+        <p:nvPr/>
+      </p:nvGrpSpPr>
+      <p:grpSpPr>
+        <a:xfrm>
+          <a:off x="0" y="0"/>
+          <a:ext cx="0" cy="0"/>
+          <a:chOff x="0" y="0"/>
+          <a:chExt cx="0" cy="0"/>
+        </a:xfrm>
+      </p:grpSpPr>
+      <p:sp>
+        <p:nvSpPr>
+          <p:cNvPr id="2240" name="이등변 삼각형 2239"/>
+          <p:cNvSpPr/>
+          <p:nvPr/>
+        </p:nvSpPr>
+        <p:spPr>
+          <a:xfrm>
+            <a:off x="6011148" y="100484"/>
+            <a:ext cx="1203569" cy="954593"/>
+          </a:xfrm>
+          <a:prstGeom prst="triangle">
+            <a:avLst/>
+          </a:prstGeom>
+          <a:solidFill>
+            <a:srgbClr val="222222"/>
+          </a:solidFill>
+          <a:ln>
+            <a:noFill/>
+          </a:ln>
+          <a:effectLst>
+            <a:outerShdw blurRad="50800" dist="38100" dir="18900000" algn="bl" rotWithShape="0">
+              <a:prstClr val="black">
+                <a:alpha val="40000"/>
+              </a:prstClr>
+            </a:outerShdw>
+          </a:effectLst>
+        </p:spPr>
+        <p:style>
+          <a:lnRef idx="2">
+            <a:schemeClr val="accent1">
+              <a:shade val="50000"/>
+            </a:schemeClr>
+          </a:lnRef>
+          <a:fillRef idx="1">
+            <a:schemeClr val="accent1"/>
+          </a:fillRef>
+          <a:effectRef idx="0">
+            <a:schemeClr val="accent1"/>
+          </a:effectRef>
+          <a:fontRef idx="minor">
+            <a:schemeClr val="lt1"/>
+          </a:fontRef>
+        </p:style>
+        <p:txBody>
+          <a:bodyPr rtlCol="0" anchor="ctr"/>
+          <a:lstStyle/>
+          <a:p>
+            <a:pPr algn="ctr"/>
+            <a:endParaRPr lang="ko-KR" altLang="en-US">
+              <a:solidFill>
+                <a:prstClr val="white"/>
+              </a:solidFill>
+            </a:endParaRPr>
+          </a:p>
+        </p:txBody>
+      </p:sp>
+      <p:sp>
+        <p:nvSpPr>
+          <p:cNvPr id="1302" name="자유형 1301"/>
+          <p:cNvSpPr/>
+          <p:nvPr/>
+        </p:nvSpPr>
+        <p:spPr>
+          <a:xfrm>
+            <a:off x="0" y="0"/>
+            <a:ext cx="6794939" cy="1055077"/>
+          </a:xfrm>
+          <a:custGeom>
+            <a:avLst/>
+            <a:gdLst>
+              <a:gd name="connsiteX0" fmla="*/ 0 w 6794939"/>
+              <a:gd name="connsiteY0" fmla="*/ 0 h 1198179"/>
+              <a:gd name="connsiteX1" fmla="*/ 299546 w 6794939"/>
+              <a:gd name="connsiteY1" fmla="*/ 0 h 1198179"/>
+              <a:gd name="connsiteX2" fmla="*/ 1418897 w 6794939"/>
+              <a:gd name="connsiteY2" fmla="*/ 0 h 1198179"/>
+              <a:gd name="connsiteX3" fmla="*/ 6794939 w 6794939"/>
+              <a:gd name="connsiteY3" fmla="*/ 0 h 1198179"/>
+              <a:gd name="connsiteX4" fmla="*/ 6495394 w 6794939"/>
+              <a:gd name="connsiteY4" fmla="*/ 1198179 h 1198179"/>
+              <a:gd name="connsiteX5" fmla="*/ 1418897 w 6794939"/>
+              <a:gd name="connsiteY5" fmla="*/ 1198179 h 1198179"/>
+              <a:gd name="connsiteX6" fmla="*/ 1 w 6794939"/>
+              <a:gd name="connsiteY6" fmla="*/ 1198179 h 1198179"/>
+              <a:gd name="connsiteX7" fmla="*/ 0 w 6794939"/>
+              <a:gd name="connsiteY7" fmla="*/ 1198179 h 1198179"/>
+              <a:gd name="connsiteX0" fmla="*/ 0 w 6794939"/>
+              <a:gd name="connsiteY0" fmla="*/ 0 h 1213945"/>
+              <a:gd name="connsiteX1" fmla="*/ 299546 w 6794939"/>
+              <a:gd name="connsiteY1" fmla="*/ 0 h 1213945"/>
+              <a:gd name="connsiteX2" fmla="*/ 1418897 w 6794939"/>
+              <a:gd name="connsiteY2" fmla="*/ 0 h 1213945"/>
+              <a:gd name="connsiteX3" fmla="*/ 6794939 w 6794939"/>
+              <a:gd name="connsiteY3" fmla="*/ 0 h 1213945"/>
+              <a:gd name="connsiteX4" fmla="*/ 5990898 w 6794939"/>
+              <a:gd name="connsiteY4" fmla="*/ 1213945 h 1213945"/>
+              <a:gd name="connsiteX5" fmla="*/ 1418897 w 6794939"/>
+              <a:gd name="connsiteY5" fmla="*/ 1198179 h 1213945"/>
+              <a:gd name="connsiteX6" fmla="*/ 1 w 6794939"/>
+              <a:gd name="connsiteY6" fmla="*/ 1198179 h 1213945"/>
+              <a:gd name="connsiteX7" fmla="*/ 0 w 6794939"/>
+              <a:gd name="connsiteY7" fmla="*/ 1198179 h 1213945"/>
+              <a:gd name="connsiteX8" fmla="*/ 0 w 6794939"/>
+              <a:gd name="connsiteY8" fmla="*/ 0 h 1213945"/>
+            </a:gdLst>
+            <a:ahLst/>
+            <a:cxnLst>
+              <a:cxn ang="0">
+                <a:pos x="connsiteX0" y="connsiteY0"/>
+              </a:cxn>
+              <a:cxn ang="0">
+                <a:pos x="connsiteX1" y="connsiteY1"/>
+              </a:cxn>
+              <a:cxn ang="0">
+                <a:pos x="connsiteX2" y="connsiteY2"/>
+              </a:cxn>
+              <a:cxn ang="0">
+                <a:pos x="connsiteX3" y="connsiteY3"/>
+              </a:cxn>
+              <a:cxn ang="0">
+                <a:pos x="connsiteX4" y="connsiteY4"/>
+              </a:cxn>
+              <a:cxn ang="0">
+                <a:pos x="connsiteX5" y="connsiteY5"/>
+              </a:cxn>
+              <a:cxn ang="0">
+                <a:pos x="connsiteX6" y="connsiteY6"/>
+              </a:cxn>
+              <a:cxn ang="0">
+                <a:pos x="connsiteX7" y="connsiteY7"/>
+              </a:cxn>
+              <a:cxn ang="0">
+                <a:pos x="connsiteX8" y="connsiteY8"/>
+              </a:cxn>
+            </a:cxnLst>
+            <a:rect l="l" t="t" r="r" b="b"/>
+            <a:pathLst>
+              <a:path w="6794939" h="1213945">
+                <a:moveTo>
+                  <a:pt x="0" y="0"/>
+                </a:moveTo>
+                <a:lnTo>
+                  <a:pt x="299546" y="0"/>
+                </a:lnTo>
+                <a:lnTo>
+                  <a:pt x="1418897" y="0"/>
+                </a:lnTo>
+                <a:lnTo>
+                  <a:pt x="6794939" y="0"/>
+                </a:lnTo>
+                <a:lnTo>
+                  <a:pt x="5990898" y="1213945"/>
+                </a:lnTo>
+                <a:lnTo>
+                  <a:pt x="1418897" y="1198179"/>
+                </a:lnTo>
+                <a:lnTo>
+                  <a:pt x="1" y="1198179"/>
+                </a:lnTo>
+                <a:lnTo>
+                  <a:pt x="0" y="1198179"/>
+                </a:lnTo>
+                <a:lnTo>
+                  <a:pt x="0" y="0"/>
+                </a:lnTo>
+                <a:close/>
+              </a:path>
+            </a:pathLst>
+          </a:custGeom>
+          <a:solidFill>
+            <a:schemeClr val="accent1">
+              <a:lumMod val="50000"/>
+            </a:schemeClr>
+          </a:solidFill>
+          <a:ln>
+            <a:noFill/>
+          </a:ln>
+          <a:effectLst>
+            <a:outerShdw blurRad="50800" dist="38100" dir="2700000" algn="tl" rotWithShape="0">
+              <a:prstClr val="black">
+                <a:alpha val="40000"/>
+              </a:prstClr>
+            </a:outerShdw>
+          </a:effectLst>
+        </p:spPr>
+        <p:style>
+          <a:lnRef idx="2">
+            <a:schemeClr val="accent1">
+              <a:shade val="50000"/>
+            </a:schemeClr>
+          </a:lnRef>
+          <a:fillRef idx="1">
+            <a:schemeClr val="accent1"/>
+          </a:fillRef>
+          <a:effectRef idx="0">
+            <a:schemeClr val="accent1"/>
+          </a:effectRef>
+          <a:fontRef idx="minor">
+            <a:schemeClr val="lt1"/>
+          </a:fontRef>
+        </p:style>
+        <p:txBody>
+          <a:bodyPr rtlCol="0" anchor="ctr"/>
+          <a:lstStyle/>
+          <a:p>
+            <a:pPr algn="ctr"/>
+            <a:endParaRPr lang="ko-KR" altLang="en-US">
+              <a:solidFill>
+                <a:prstClr val="white"/>
+              </a:solidFill>
+            </a:endParaRPr>
+          </a:p>
+        </p:txBody>
+      </p:sp>
+      <p:sp>
+        <p:nvSpPr>
+          <p:cNvPr id="26" name="TextBox 25"/>
+          <p:cNvSpPr txBox="1"/>
+          <p:nvPr/>
+        </p:nvSpPr>
+        <p:spPr>
+          <a:xfrm>
+            <a:off x="888557" y="265928"/>
+            <a:ext cx="1741182" cy="523220"/>
+          </a:xfrm>
+          <a:prstGeom prst="rect">
+            <a:avLst/>
+          </a:prstGeom>
+          <a:noFill/>
+        </p:spPr>
+        <p:txBody>
+          <a:bodyPr wrap="none" rtlCol="0">
+            <a:spAutoFit/>
+          </a:bodyPr>
+          <a:lstStyle/>
+          <a:p>
+            <a:r>
+              <a:rPr lang="ko-KR" altLang="en-US" sz="2800" dirty="0" smtClean="0">
+                <a:solidFill>
+                  <a:prstClr val="white"/>
+                </a:solidFill>
+                <a:latin typeface="KoPub돋움체 Light" panose="02020603020101020101" pitchFamily="18" charset="-127"/>
+                <a:ea typeface="KoPub돋움체 Light" panose="02020603020101020101" pitchFamily="18" charset="-127"/>
+              </a:rPr>
+              <a:t>남은 과제</a:t>
+            </a:r>
+            <a:endParaRPr lang="ko-KR" altLang="en-US" sz="2800" dirty="0">
+              <a:solidFill>
+                <a:prstClr val="white"/>
+              </a:solidFill>
+              <a:latin typeface="KoPub돋움체 Light" panose="02020603020101020101" pitchFamily="18" charset="-127"/>
+              <a:ea typeface="KoPub돋움체 Light" panose="02020603020101020101" pitchFamily="18" charset="-127"/>
+            </a:endParaRPr>
+          </a:p>
+        </p:txBody>
+      </p:sp>
+      <p:sp>
+        <p:nvSpPr>
+          <p:cNvPr id="9" name="TextBox 8"/>
+          <p:cNvSpPr txBox="1"/>
+          <p:nvPr/>
+        </p:nvSpPr>
+        <p:spPr>
+          <a:xfrm>
+            <a:off x="361487" y="1509429"/>
+            <a:ext cx="7379368" cy="1938992"/>
+          </a:xfrm>
+          <a:prstGeom prst="rect">
+            <a:avLst/>
+          </a:prstGeom>
+          <a:noFill/>
+        </p:spPr>
+        <p:txBody>
+          <a:bodyPr wrap="square" rtlCol="0">
+            <a:spAutoFit/>
+          </a:bodyPr>
+          <a:lstStyle/>
+          <a:p>
+            <a:pPr marL="342900" indent="-342900">
+              <a:buFont typeface="Arial" panose="020B0604020202020204" pitchFamily="34" charset="0"/>
+              <a:buChar char="•"/>
+            </a:pPr>
+            <a:r>
+              <a:rPr lang="ko-KR" altLang="en-US" sz="2400" dirty="0" err="1" smtClean="0">
+                <a:solidFill>
+                  <a:schemeClr val="bg1"/>
+                </a:solidFill>
+                <a:latin typeface="Meiryo" panose="020B0604030504040204" pitchFamily="34" charset="-128"/>
+                <a:cs typeface="Meiryo" panose="020B0604030504040204" pitchFamily="34" charset="-128"/>
+              </a:rPr>
+              <a:t>라즈베리파이와</a:t>
+            </a:r>
+            <a:r>
+              <a:rPr lang="ko-KR" altLang="en-US" sz="2400" dirty="0" smtClean="0">
+                <a:solidFill>
+                  <a:schemeClr val="bg1"/>
+                </a:solidFill>
+                <a:latin typeface="Meiryo" panose="020B0604030504040204" pitchFamily="34" charset="-128"/>
+                <a:cs typeface="Meiryo" panose="020B0604030504040204" pitchFamily="34" charset="-128"/>
+              </a:rPr>
+              <a:t> </a:t>
+            </a:r>
+            <a:r>
+              <a:rPr lang="en-US" altLang="ko-KR" sz="2400" dirty="0" smtClean="0">
+                <a:solidFill>
+                  <a:schemeClr val="bg1"/>
+                </a:solidFill>
+                <a:latin typeface="Meiryo" panose="020B0604030504040204" pitchFamily="34" charset="-128"/>
+                <a:cs typeface="Meiryo" panose="020B0604030504040204" pitchFamily="34" charset="-128"/>
+              </a:rPr>
+              <a:t>SPI </a:t>
+            </a:r>
+            <a:r>
+              <a:rPr lang="ko-KR" altLang="en-US" sz="2400" dirty="0" smtClean="0">
+                <a:solidFill>
+                  <a:schemeClr val="bg1"/>
+                </a:solidFill>
+                <a:latin typeface="Meiryo" panose="020B0604030504040204" pitchFamily="34" charset="-128"/>
+                <a:cs typeface="Meiryo" panose="020B0604030504040204" pitchFamily="34" charset="-128"/>
+              </a:rPr>
+              <a:t>통신</a:t>
+            </a:r>
+            <a:endParaRPr lang="en-US" altLang="ko-KR" sz="2400" dirty="0" smtClean="0">
+              <a:solidFill>
+                <a:schemeClr val="bg1"/>
+              </a:solidFill>
+              <a:latin typeface="Meiryo" panose="020B0604030504040204" pitchFamily="34" charset="-128"/>
+              <a:cs typeface="Meiryo" panose="020B0604030504040204" pitchFamily="34" charset="-128"/>
+            </a:endParaRPr>
+          </a:p>
+          <a:p>
+            <a:endParaRPr lang="en-US" altLang="ko-KR" sz="2400" dirty="0">
+              <a:solidFill>
+                <a:schemeClr val="bg1"/>
+              </a:solidFill>
+              <a:latin typeface="Meiryo" panose="020B0604030504040204" pitchFamily="34" charset="-128"/>
+              <a:cs typeface="Meiryo" panose="020B0604030504040204" pitchFamily="34" charset="-128"/>
+            </a:endParaRPr>
+          </a:p>
+          <a:p>
+            <a:pPr marL="342900" indent="-342900">
+              <a:buFont typeface="Arial" panose="020B0604020202020204" pitchFamily="34" charset="0"/>
+              <a:buChar char="•"/>
+            </a:pPr>
+            <a:r>
+              <a:rPr lang="ko-KR" altLang="en-US" sz="2400" dirty="0" smtClean="0">
+                <a:solidFill>
+                  <a:schemeClr val="bg1"/>
+                </a:solidFill>
+                <a:latin typeface="Meiryo" panose="020B0604030504040204" pitchFamily="34" charset="-128"/>
+                <a:cs typeface="Meiryo" panose="020B0604030504040204" pitchFamily="34" charset="-128"/>
+              </a:rPr>
+              <a:t>구체적인 인터페이스 구성</a:t>
+            </a:r>
+            <a:endParaRPr lang="en-US" altLang="ko-KR" sz="2400" dirty="0" smtClean="0">
+              <a:solidFill>
+                <a:schemeClr val="bg1"/>
+              </a:solidFill>
+              <a:latin typeface="Meiryo" panose="020B0604030504040204" pitchFamily="34" charset="-128"/>
+              <a:cs typeface="Meiryo" panose="020B0604030504040204" pitchFamily="34" charset="-128"/>
+            </a:endParaRPr>
+          </a:p>
+          <a:p>
+            <a:pPr marL="342900" indent="-342900">
+              <a:buFont typeface="Arial" panose="020B0604020202020204" pitchFamily="34" charset="0"/>
+              <a:buChar char="•"/>
+            </a:pPr>
+            <a:endParaRPr lang="en-US" altLang="ko-KR" sz="2400" dirty="0">
+              <a:solidFill>
+                <a:schemeClr val="bg1"/>
+              </a:solidFill>
+              <a:latin typeface="Meiryo" panose="020B0604030504040204" pitchFamily="34" charset="-128"/>
+              <a:cs typeface="Meiryo" panose="020B0604030504040204" pitchFamily="34" charset="-128"/>
+            </a:endParaRPr>
+          </a:p>
+          <a:p>
+            <a:pPr marL="342900" indent="-342900">
+              <a:buFont typeface="Arial" panose="020B0604020202020204" pitchFamily="34" charset="0"/>
+              <a:buChar char="•"/>
+            </a:pPr>
+            <a:r>
+              <a:rPr lang="ko-KR" altLang="en-US" sz="2400" dirty="0" smtClean="0">
+                <a:solidFill>
+                  <a:schemeClr val="bg1"/>
+                </a:solidFill>
+                <a:latin typeface="Meiryo" panose="020B0604030504040204" pitchFamily="34" charset="-128"/>
+                <a:cs typeface="Meiryo" panose="020B0604030504040204" pitchFamily="34" charset="-128"/>
+              </a:rPr>
+              <a:t>잉크분사 시스템 구성</a:t>
+            </a:r>
+            <a:endParaRPr lang="en-US" altLang="ko-KR" sz="2400" dirty="0">
+              <a:solidFill>
+                <a:schemeClr val="bg1"/>
+              </a:solidFill>
+              <a:latin typeface="Meiryo" panose="020B0604030504040204" pitchFamily="34" charset="-128"/>
+              <a:cs typeface="Meiryo" panose="020B0604030504040204" pitchFamily="34" charset="-128"/>
+            </a:endParaRPr>
+          </a:p>
+        </p:txBody>
+      </p:sp>
+    </p:spTree>
+    <p:extLst>
+      <p:ext uri="{BB962C8B-B14F-4D97-AF65-F5344CB8AC3E}">
+        <p14:creationId xmlns:p14="http://schemas.microsoft.com/office/powerpoint/2010/main" val="1435745125"/>
+      </p:ext>
+    </p:extLst>
+  </p:cSld>
+  <p:clrMapOvr>
+    <a:masterClrMapping/>
+  </p:clrMapOvr>
+  <p:timing>
+    <p:tnLst>
+      <p:par>
+        <p:cTn id="1" dur="indefinite" restart="never" nodeType="tmRoot"/>
+      </p:par>
+    </p:tnLst>
+  </p:timing>
+</p:sld>
+</file>
+
+<file path=ppt/slides/slide14.xml><?xml version="1.0" encoding="utf-8"?>
 <p:sld xmlns:a="http://schemas.openxmlformats.org/drawingml/2006/main" xmlns:r="http://schemas.openxmlformats.org/officeDocument/2006/relationships" xmlns:p="http://schemas.openxmlformats.org/presentationml/2006/main">
   <p:cSld>
     <p:bg>
@@ -5716,7 +7024,7 @@
 </p:sld>
 </file>
 
-<file path=ppt/slides/slide13.xml><?xml version="1.0" encoding="utf-8"?>
+<file path=ppt/slides/slide15.xml><?xml version="1.0" encoding="utf-8"?>
 <p:sld xmlns:a="http://schemas.openxmlformats.org/drawingml/2006/main" xmlns:r="http://schemas.openxmlformats.org/officeDocument/2006/relationships" xmlns:p="http://schemas.openxmlformats.org/presentationml/2006/main">
   <p:cSld>
     <p:bg>
@@ -6164,7 +7472,7 @@
 </p:sld>
 </file>
 
-<file path=ppt/slides/slide14.xml><?xml version="1.0" encoding="utf-8"?>
+<file path=ppt/slides/slide16.xml><?xml version="1.0" encoding="utf-8"?>
 <p:sld xmlns:a="http://schemas.openxmlformats.org/drawingml/2006/main" xmlns:r="http://schemas.openxmlformats.org/officeDocument/2006/relationships" xmlns:p="http://schemas.openxmlformats.org/presentationml/2006/main">
   <p:cSld>
     <p:bg>
@@ -8543,6 +9851,60 @@
           <a:prstGeom prst="rect">
             <a:avLst/>
           </a:prstGeom>
+        </p:spPr>
+      </p:pic>
+      <p:pic>
+        <p:nvPicPr>
+          <p:cNvPr id="1027" name="Picture 3"/>
+          <p:cNvPicPr>
+            <a:picLocks noChangeAspect="1" noChangeArrowheads="1"/>
+          </p:cNvPicPr>
+          <p:nvPr/>
+        </p:nvPicPr>
+        <p:blipFill>
+          <a:blip r:embed="rId4">
+            <a:extLst>
+              <a:ext uri="{28A0092B-C50C-407E-A947-70E740481C1C}">
+                <a14:useLocalDpi xmlns:a14="http://schemas.microsoft.com/office/drawing/2010/main" val="0"/>
+              </a:ext>
+            </a:extLst>
+          </a:blip>
+          <a:srcRect/>
+          <a:stretch>
+            <a:fillRect/>
+          </a:stretch>
+        </p:blipFill>
+        <p:spPr bwMode="auto">
+          <a:xfrm>
+            <a:off x="5249590" y="1681897"/>
+            <a:ext cx="1834445" cy="2736465"/>
+          </a:xfrm>
+          <a:prstGeom prst="rect">
+            <a:avLst/>
+          </a:prstGeom>
+          <a:noFill/>
+          <a:ln>
+            <a:noFill/>
+          </a:ln>
+          <a:extLst>
+            <a:ext uri="{909E8E84-426E-40DD-AFC4-6F175D3DCCD1}">
+              <a14:hiddenFill xmlns:a14="http://schemas.microsoft.com/office/drawing/2010/main">
+                <a:solidFill>
+                  <a:schemeClr val="accent1"/>
+                </a:solidFill>
+              </a14:hiddenFill>
+            </a:ext>
+            <a:ext uri="{91240B29-F687-4F45-9708-019B960494DF}">
+              <a14:hiddenLine xmlns:a14="http://schemas.microsoft.com/office/drawing/2010/main" w="9525">
+                <a:solidFill>
+                  <a:schemeClr val="tx1"/>
+                </a:solidFill>
+                <a:miter lim="800000"/>
+                <a:headEnd/>
+                <a:tailEnd/>
+              </a14:hiddenLine>
+            </a:ext>
+          </a:extLst>
         </p:spPr>
       </p:pic>
     </p:spTree>
@@ -14217,7 +15579,7 @@
     </a:clrScheme>
     <a:fontScheme name="Office">
       <a:majorFont>
-        <a:latin typeface="맑은 고딕" panose="020F0302020204030204"/>
+        <a:latin typeface="맑은 고딕"/>
         <a:ea typeface=""/>
         <a:cs typeface=""/>
         <a:font script="Jpan" typeface="ＭＳ Ｐゴシック"/>
@@ -14252,7 +15614,7 @@
         <a:font script="Geor" typeface="Sylfaen"/>
       </a:majorFont>
       <a:minorFont>
-        <a:latin typeface="맑은 고딕" panose="020F0502020204030204"/>
+        <a:latin typeface="맑은 고딕"/>
         <a:ea typeface=""/>
         <a:cs typeface=""/>
         <a:font script="Jpan" typeface="ＭＳ Ｐゴシック"/>
